--- a/Präsi/FlyHigh Abschlusspräsentation.pptx
+++ b/Präsi/FlyHigh Abschlusspräsentation.pptx
@@ -7,6 +7,18 @@
   <p:sldIdLst>
     <p:sldId id="256" r:id="rId2"/>
     <p:sldId id="257" r:id="rId3"/>
+    <p:sldId id="258" r:id="rId4"/>
+    <p:sldId id="259" r:id="rId5"/>
+    <p:sldId id="260" r:id="rId6"/>
+    <p:sldId id="261" r:id="rId7"/>
+    <p:sldId id="262" r:id="rId8"/>
+    <p:sldId id="263" r:id="rId9"/>
+    <p:sldId id="264" r:id="rId10"/>
+    <p:sldId id="265" r:id="rId11"/>
+    <p:sldId id="266" r:id="rId12"/>
+    <p:sldId id="267" r:id="rId13"/>
+    <p:sldId id="269" r:id="rId14"/>
+    <p:sldId id="268" r:id="rId15"/>
   </p:sldIdLst>
   <p:sldSz cx="12192000" cy="6858000"/>
   <p:notesSz cx="6858000" cy="9144000"/>
@@ -297,7 +309,7 @@
           <a:p>
             <a:fld id="{82333757-7549-43D3-A03E-9E27EAF922C5}" type="datetimeFigureOut">
               <a:rPr lang="de-DE" smtClean="0"/>
-              <a:t>21.09.2015</a:t>
+              <a:t>01.10.2015</a:t>
             </a:fld>
             <a:endParaRPr lang="de-DE"/>
           </a:p>
@@ -733,7 +745,7 @@
           <a:p>
             <a:fld id="{82333757-7549-43D3-A03E-9E27EAF922C5}" type="datetimeFigureOut">
               <a:rPr lang="de-DE" smtClean="0"/>
-              <a:t>21.09.2015</a:t>
+              <a:t>01.10.2015</a:t>
             </a:fld>
             <a:endParaRPr lang="de-DE"/>
           </a:p>
@@ -981,7 +993,7 @@
           <a:p>
             <a:fld id="{82333757-7549-43D3-A03E-9E27EAF922C5}" type="datetimeFigureOut">
               <a:rPr lang="de-DE" smtClean="0"/>
-              <a:t>21.09.2015</a:t>
+              <a:t>01.10.2015</a:t>
             </a:fld>
             <a:endParaRPr lang="de-DE"/>
           </a:p>
@@ -1287,7 +1299,7 @@
           <a:p>
             <a:fld id="{82333757-7549-43D3-A03E-9E27EAF922C5}" type="datetimeFigureOut">
               <a:rPr lang="de-DE" smtClean="0"/>
-              <a:t>21.09.2015</a:t>
+              <a:t>01.10.2015</a:t>
             </a:fld>
             <a:endParaRPr lang="de-DE"/>
           </a:p>
@@ -1603,7 +1615,7 @@
           <a:p>
             <a:fld id="{82333757-7549-43D3-A03E-9E27EAF922C5}" type="datetimeFigureOut">
               <a:rPr lang="de-DE" smtClean="0"/>
-              <a:t>21.09.2015</a:t>
+              <a:t>01.10.2015</a:t>
             </a:fld>
             <a:endParaRPr lang="de-DE"/>
           </a:p>
@@ -1903,7 +1915,7 @@
           <a:p>
             <a:fld id="{82333757-7549-43D3-A03E-9E27EAF922C5}" type="datetimeFigureOut">
               <a:rPr lang="de-DE" smtClean="0"/>
-              <a:t>21.09.2015</a:t>
+              <a:t>01.10.2015</a:t>
             </a:fld>
             <a:endParaRPr lang="de-DE"/>
           </a:p>
@@ -2268,7 +2280,7 @@
           <a:p>
             <a:fld id="{82333757-7549-43D3-A03E-9E27EAF922C5}" type="datetimeFigureOut">
               <a:rPr lang="de-DE" smtClean="0"/>
-              <a:t>21.09.2015</a:t>
+              <a:t>01.10.2015</a:t>
             </a:fld>
             <a:endParaRPr lang="de-DE"/>
           </a:p>
@@ -2442,7 +2454,7 @@
           <a:p>
             <a:fld id="{82333757-7549-43D3-A03E-9E27EAF922C5}" type="datetimeFigureOut">
               <a:rPr lang="de-DE" smtClean="0"/>
-              <a:t>21.09.2015</a:t>
+              <a:t>01.10.2015</a:t>
             </a:fld>
             <a:endParaRPr lang="de-DE"/>
           </a:p>
@@ -2622,7 +2634,7 @@
           <a:p>
             <a:fld id="{82333757-7549-43D3-A03E-9E27EAF922C5}" type="datetimeFigureOut">
               <a:rPr lang="de-DE" smtClean="0"/>
-              <a:t>21.09.2015</a:t>
+              <a:t>01.10.2015</a:t>
             </a:fld>
             <a:endParaRPr lang="de-DE"/>
           </a:p>
@@ -2792,7 +2804,7 @@
           <a:p>
             <a:fld id="{82333757-7549-43D3-A03E-9E27EAF922C5}" type="datetimeFigureOut">
               <a:rPr lang="de-DE" smtClean="0"/>
-              <a:t>21.09.2015</a:t>
+              <a:t>01.10.2015</a:t>
             </a:fld>
             <a:endParaRPr lang="de-DE"/>
           </a:p>
@@ -3040,7 +3052,7 @@
           <a:p>
             <a:fld id="{82333757-7549-43D3-A03E-9E27EAF922C5}" type="datetimeFigureOut">
               <a:rPr lang="de-DE" smtClean="0"/>
-              <a:t>21.09.2015</a:t>
+              <a:t>01.10.2015</a:t>
             </a:fld>
             <a:endParaRPr lang="de-DE"/>
           </a:p>
@@ -3276,7 +3288,7 @@
           <a:p>
             <a:fld id="{82333757-7549-43D3-A03E-9E27EAF922C5}" type="datetimeFigureOut">
               <a:rPr lang="de-DE" smtClean="0"/>
-              <a:t>21.09.2015</a:t>
+              <a:t>01.10.2015</a:t>
             </a:fld>
             <a:endParaRPr lang="de-DE"/>
           </a:p>
@@ -3658,7 +3670,7 @@
           <a:p>
             <a:fld id="{82333757-7549-43D3-A03E-9E27EAF922C5}" type="datetimeFigureOut">
               <a:rPr lang="de-DE" smtClean="0"/>
-              <a:t>21.09.2015</a:t>
+              <a:t>01.10.2015</a:t>
             </a:fld>
             <a:endParaRPr lang="de-DE"/>
           </a:p>
@@ -3776,7 +3788,7 @@
           <a:p>
             <a:fld id="{82333757-7549-43D3-A03E-9E27EAF922C5}" type="datetimeFigureOut">
               <a:rPr lang="de-DE" smtClean="0"/>
-              <a:t>21.09.2015</a:t>
+              <a:t>01.10.2015</a:t>
             </a:fld>
             <a:endParaRPr lang="de-DE"/>
           </a:p>
@@ -3871,7 +3883,7 @@
           <a:p>
             <a:fld id="{82333757-7549-43D3-A03E-9E27EAF922C5}" type="datetimeFigureOut">
               <a:rPr lang="de-DE" smtClean="0"/>
-              <a:t>21.09.2015</a:t>
+              <a:t>01.10.2015</a:t>
             </a:fld>
             <a:endParaRPr lang="de-DE"/>
           </a:p>
@@ -4126,7 +4138,7 @@
           <a:p>
             <a:fld id="{82333757-7549-43D3-A03E-9E27EAF922C5}" type="datetimeFigureOut">
               <a:rPr lang="de-DE" smtClean="0"/>
-              <a:t>21.09.2015</a:t>
+              <a:t>01.10.2015</a:t>
             </a:fld>
             <a:endParaRPr lang="de-DE"/>
           </a:p>
@@ -4409,7 +4421,7 @@
           <a:p>
             <a:fld id="{82333757-7549-43D3-A03E-9E27EAF922C5}" type="datetimeFigureOut">
               <a:rPr lang="de-DE" smtClean="0"/>
-              <a:t>21.09.2015</a:t>
+              <a:t>01.10.2015</a:t>
             </a:fld>
             <a:endParaRPr lang="de-DE"/>
           </a:p>
@@ -4815,7 +4827,7 @@
           <a:p>
             <a:fld id="{82333757-7549-43D3-A03E-9E27EAF922C5}" type="datetimeFigureOut">
               <a:rPr lang="de-DE" smtClean="0"/>
-              <a:t>21.09.2015</a:t>
+              <a:t>01.10.2015</a:t>
             </a:fld>
             <a:endParaRPr lang="de-DE"/>
           </a:p>
@@ -5431,6 +5443,1789 @@
   <p:clrMapOvr>
     <a:masterClrMapping/>
   </p:clrMapOvr>
+  <p:timing>
+    <p:tnLst>
+      <p:par>
+        <p:cTn id="1" dur="indefinite" restart="never" nodeType="tmRoot"/>
+      </p:par>
+    </p:tnLst>
+  </p:timing>
+</p:sld>
+</file>
+
+<file path=ppt/slides/slide10.xml><?xml version="1.0" encoding="utf-8"?>
+<p:sld xmlns:a="http://schemas.openxmlformats.org/drawingml/2006/main" xmlns:r="http://schemas.openxmlformats.org/officeDocument/2006/relationships" xmlns:p="http://schemas.openxmlformats.org/presentationml/2006/main">
+  <p:cSld>
+    <p:spTree>
+      <p:nvGrpSpPr>
+        <p:cNvPr id="1" name=""/>
+        <p:cNvGrpSpPr/>
+        <p:nvPr/>
+      </p:nvGrpSpPr>
+      <p:grpSpPr>
+        <a:xfrm>
+          <a:off x="0" y="0"/>
+          <a:ext cx="0" cy="0"/>
+          <a:chOff x="0" y="0"/>
+          <a:chExt cx="0" cy="0"/>
+        </a:xfrm>
+      </p:grpSpPr>
+      <p:sp>
+        <p:nvSpPr>
+          <p:cNvPr id="2" name="Titel 1"/>
+          <p:cNvSpPr>
+            <a:spLocks noGrp="1"/>
+          </p:cNvSpPr>
+          <p:nvPr>
+            <p:ph type="ctrTitle"/>
+          </p:nvPr>
+        </p:nvSpPr>
+        <p:spPr>
+          <a:xfrm>
+            <a:off x="2030187" y="250370"/>
+            <a:ext cx="8001000" cy="933995"/>
+          </a:xfrm>
+        </p:spPr>
+        <p:txBody>
+          <a:bodyPr/>
+          <a:lstStyle/>
+          <a:p>
+            <a:pPr algn="ctr"/>
+            <a:endParaRPr lang="de-DE" dirty="0"/>
+          </a:p>
+        </p:txBody>
+      </p:sp>
+      <p:sp>
+        <p:nvSpPr>
+          <p:cNvPr id="3" name="Untertitel 2"/>
+          <p:cNvSpPr>
+            <a:spLocks noGrp="1"/>
+          </p:cNvSpPr>
+          <p:nvPr>
+            <p:ph type="subTitle" idx="1"/>
+          </p:nvPr>
+        </p:nvSpPr>
+        <p:spPr>
+          <a:xfrm>
+            <a:off x="2630286" y="5910943"/>
+            <a:ext cx="6909662" cy="838200"/>
+          </a:xfrm>
+        </p:spPr>
+        <p:txBody>
+          <a:bodyPr>
+            <a:normAutofit fontScale="47500" lnSpcReduction="20000"/>
+          </a:bodyPr>
+          <a:lstStyle/>
+          <a:p>
+            <a:pPr algn="ctr"/>
+            <a:r>
+              <a:rPr lang="de-DE" sz="4000" dirty="0" smtClean="0"/>
+              <a:t>Gewonnen nach Abschuss aller Zielscheiben ohne Zeitüberschreitung bzw. Kollision mit Objekten</a:t>
+            </a:r>
+            <a:endParaRPr lang="de-DE" sz="4000" dirty="0" smtClean="0"/>
+          </a:p>
+        </p:txBody>
+      </p:sp>
+    </p:spTree>
+    <p:extLst>
+      <p:ext uri="{BB962C8B-B14F-4D97-AF65-F5344CB8AC3E}">
+        <p14:creationId xmlns:p14="http://schemas.microsoft.com/office/powerpoint/2010/main" val="1896986606"/>
+      </p:ext>
+    </p:extLst>
+  </p:cSld>
+  <p:clrMapOvr>
+    <a:masterClrMapping/>
+  </p:clrMapOvr>
+  <p:timing>
+    <p:tnLst>
+      <p:par>
+        <p:cTn id="1" dur="indefinite" restart="never" nodeType="tmRoot"/>
+      </p:par>
+    </p:tnLst>
+  </p:timing>
+</p:sld>
+</file>
+
+<file path=ppt/slides/slide11.xml><?xml version="1.0" encoding="utf-8"?>
+<p:sld xmlns:a="http://schemas.openxmlformats.org/drawingml/2006/main" xmlns:r="http://schemas.openxmlformats.org/officeDocument/2006/relationships" xmlns:p="http://schemas.openxmlformats.org/presentationml/2006/main">
+  <p:cSld>
+    <p:spTree>
+      <p:nvGrpSpPr>
+        <p:cNvPr id="1" name=""/>
+        <p:cNvGrpSpPr/>
+        <p:nvPr/>
+      </p:nvGrpSpPr>
+      <p:grpSpPr>
+        <a:xfrm>
+          <a:off x="0" y="0"/>
+          <a:ext cx="0" cy="0"/>
+          <a:chOff x="0" y="0"/>
+          <a:chExt cx="0" cy="0"/>
+        </a:xfrm>
+      </p:grpSpPr>
+      <p:sp>
+        <p:nvSpPr>
+          <p:cNvPr id="2" name="Titel 1"/>
+          <p:cNvSpPr>
+            <a:spLocks noGrp="1"/>
+          </p:cNvSpPr>
+          <p:nvPr>
+            <p:ph type="ctrTitle"/>
+          </p:nvPr>
+        </p:nvSpPr>
+        <p:spPr>
+          <a:xfrm>
+            <a:off x="1970904" y="261257"/>
+            <a:ext cx="8001000" cy="1238795"/>
+          </a:xfrm>
+        </p:spPr>
+        <p:txBody>
+          <a:bodyPr/>
+          <a:lstStyle/>
+          <a:p>
+            <a:pPr algn="ctr"/>
+            <a:r>
+              <a:rPr lang="de-DE" dirty="0" smtClean="0"/>
+              <a:t>Zeitplan vs. Realität</a:t>
+            </a:r>
+            <a:endParaRPr lang="de-DE" dirty="0"/>
+          </a:p>
+        </p:txBody>
+      </p:sp>
+      <p:sp>
+        <p:nvSpPr>
+          <p:cNvPr id="3" name="Untertitel 2"/>
+          <p:cNvSpPr>
+            <a:spLocks noGrp="1"/>
+          </p:cNvSpPr>
+          <p:nvPr>
+            <p:ph type="subTitle" idx="1"/>
+          </p:nvPr>
+        </p:nvSpPr>
+        <p:spPr>
+          <a:xfrm>
+            <a:off x="1015138" y="1736393"/>
+            <a:ext cx="9937342" cy="4577321"/>
+          </a:xfrm>
+        </p:spPr>
+        <p:txBody>
+          <a:bodyPr>
+            <a:normAutofit/>
+          </a:bodyPr>
+          <a:lstStyle/>
+          <a:p>
+            <a:pPr marL="342900" indent="-342900">
+              <a:buBlip>
+                <a:blip r:embed="rId2"/>
+              </a:buBlip>
+            </a:pPr>
+            <a:endParaRPr lang="de-DE" sz="4000" dirty="0"/>
+          </a:p>
+        </p:txBody>
+      </p:sp>
+      <p:graphicFrame>
+        <p:nvGraphicFramePr>
+          <p:cNvPr id="5" name="Tabelle 4"/>
+          <p:cNvGraphicFramePr>
+            <a:graphicFrameLocks noGrp="1"/>
+          </p:cNvGraphicFramePr>
+          <p:nvPr>
+            <p:extLst>
+              <p:ext uri="{D42A27DB-BD31-4B8C-83A1-F6EECF244321}">
+                <p14:modId xmlns:p14="http://schemas.microsoft.com/office/powerpoint/2010/main" val="3190579541"/>
+              </p:ext>
+            </p:extLst>
+          </p:nvPr>
+        </p:nvGraphicFramePr>
+        <p:xfrm>
+          <a:off x="211181" y="1542144"/>
+          <a:ext cx="11805921" cy="5169523"/>
+        </p:xfrm>
+        <a:graphic>
+          <a:graphicData uri="http://schemas.openxmlformats.org/drawingml/2006/table">
+            <a:tbl>
+              <a:tblPr firstRow="1" bandRow="1">
+                <a:tableStyleId>{5C22544A-7EE6-4342-B048-85BDC9FD1C3A}</a:tableStyleId>
+              </a:tblPr>
+              <a:tblGrid>
+                <a:gridCol w="4043681"/>
+                <a:gridCol w="3826933"/>
+                <a:gridCol w="3935307"/>
+              </a:tblGrid>
+              <a:tr h="978634">
+                <a:tc>
+                  <a:txBody>
+                    <a:bodyPr/>
+                    <a:lstStyle/>
+                    <a:p>
+                      <a:pPr algn="ctr"/>
+                      <a:r>
+                        <a:rPr lang="de-DE" dirty="0" smtClean="0"/>
+                        <a:t>Meilensteine</a:t>
+                      </a:r>
+                      <a:endParaRPr lang="de-DE" dirty="0"/>
+                    </a:p>
+                  </a:txBody>
+                  <a:tcPr/>
+                </a:tc>
+                <a:tc>
+                  <a:txBody>
+                    <a:bodyPr/>
+                    <a:lstStyle/>
+                    <a:p>
+                      <a:pPr algn="ctr"/>
+                      <a:r>
+                        <a:rPr lang="de-DE" dirty="0" smtClean="0"/>
+                        <a:t>Geplante Zeit</a:t>
+                      </a:r>
+                      <a:endParaRPr lang="de-DE" dirty="0"/>
+                    </a:p>
+                  </a:txBody>
+                  <a:tcPr/>
+                </a:tc>
+                <a:tc>
+                  <a:txBody>
+                    <a:bodyPr/>
+                    <a:lstStyle/>
+                    <a:p>
+                      <a:pPr algn="ctr"/>
+                      <a:r>
+                        <a:rPr lang="de-DE" dirty="0" smtClean="0"/>
+                        <a:t>Wirkliche</a:t>
+                      </a:r>
+                      <a:r>
+                        <a:rPr lang="de-DE" baseline="0" dirty="0" smtClean="0"/>
+                        <a:t> Zeit</a:t>
+                      </a:r>
+                      <a:endParaRPr lang="de-DE" dirty="0"/>
+                    </a:p>
+                  </a:txBody>
+                  <a:tcPr/>
+                </a:tc>
+              </a:tr>
+              <a:tr h="1813449">
+                <a:tc>
+                  <a:txBody>
+                    <a:bodyPr/>
+                    <a:lstStyle/>
+                    <a:p>
+                      <a:pPr algn="ctr"/>
+                      <a:r>
+                        <a:rPr lang="de-DE" dirty="0" smtClean="0"/>
+                        <a:t>Steuerung</a:t>
+                      </a:r>
+                      <a:r>
+                        <a:rPr lang="de-DE" baseline="0" dirty="0" smtClean="0"/>
+                        <a:t> Flugzeug/Kamera</a:t>
+                      </a:r>
+                    </a:p>
+                    <a:p>
+                      <a:pPr algn="ctr"/>
+                      <a:r>
+                        <a:rPr lang="de-DE" dirty="0" smtClean="0"/>
+                        <a:t>Steuerung Projektile</a:t>
+                      </a:r>
+                    </a:p>
+                    <a:p>
+                      <a:pPr algn="ctr"/>
+                      <a:r>
+                        <a:rPr lang="de-DE" dirty="0" smtClean="0"/>
+                        <a:t>Erstellung/Platzierung</a:t>
+                      </a:r>
+                      <a:r>
+                        <a:rPr lang="de-DE" baseline="0" dirty="0" smtClean="0"/>
+                        <a:t> </a:t>
+                      </a:r>
+                      <a:r>
+                        <a:rPr lang="de-DE" dirty="0" smtClean="0"/>
+                        <a:t>Zielscheiben</a:t>
+                      </a:r>
+                    </a:p>
+                    <a:p>
+                      <a:pPr algn="ctr"/>
+                      <a:r>
+                        <a:rPr lang="de-DE" dirty="0" smtClean="0"/>
+                        <a:t>Interaktion von allen</a:t>
+                      </a:r>
+                      <a:r>
+                        <a:rPr lang="de-DE" baseline="0" dirty="0" smtClean="0"/>
+                        <a:t> Objekten</a:t>
+                      </a:r>
+                    </a:p>
+                    <a:p>
+                      <a:pPr algn="ctr"/>
+                      <a:r>
+                        <a:rPr lang="de-DE" baseline="0" dirty="0" smtClean="0"/>
+                        <a:t>Kollision Flugzeug/ Projektile</a:t>
+                      </a:r>
+                      <a:endParaRPr lang="de-DE" dirty="0"/>
+                    </a:p>
+                  </a:txBody>
+                  <a:tcPr/>
+                </a:tc>
+                <a:tc>
+                  <a:txBody>
+                    <a:bodyPr/>
+                    <a:lstStyle/>
+                    <a:p>
+                      <a:pPr algn="ctr"/>
+                      <a:r>
+                        <a:rPr lang="de-DE" dirty="0" smtClean="0"/>
+                        <a:t>03.08</a:t>
+                      </a:r>
+                      <a:r>
+                        <a:rPr lang="de-DE" baseline="0" dirty="0" smtClean="0"/>
+                        <a:t> – 30.08</a:t>
+                      </a:r>
+                      <a:endParaRPr lang="de-DE" dirty="0"/>
+                    </a:p>
+                  </a:txBody>
+                  <a:tcPr/>
+                </a:tc>
+                <a:tc>
+                  <a:txBody>
+                    <a:bodyPr/>
+                    <a:lstStyle/>
+                    <a:p>
+                      <a:pPr algn="ctr"/>
+                      <a:r>
+                        <a:rPr lang="de-DE" dirty="0" smtClean="0"/>
+                        <a:t>03.08</a:t>
+                      </a:r>
+                      <a:r>
+                        <a:rPr lang="de-DE" baseline="0" dirty="0" smtClean="0"/>
+                        <a:t> – 30.08</a:t>
+                      </a:r>
+                      <a:endParaRPr lang="de-DE" dirty="0"/>
+                    </a:p>
+                  </a:txBody>
+                  <a:tcPr/>
+                </a:tc>
+              </a:tr>
+              <a:tr h="961078">
+                <a:tc>
+                  <a:txBody>
+                    <a:bodyPr/>
+                    <a:lstStyle/>
+                    <a:p>
+                      <a:pPr algn="ctr"/>
+                      <a:r>
+                        <a:rPr lang="de-DE" dirty="0" err="1" smtClean="0"/>
+                        <a:t>Oculus</a:t>
+                      </a:r>
+                      <a:r>
+                        <a:rPr lang="de-DE" baseline="0" dirty="0" smtClean="0"/>
+                        <a:t> Rift</a:t>
+                      </a:r>
+                    </a:p>
+                    <a:p>
+                      <a:pPr algn="ctr"/>
+                      <a:r>
+                        <a:rPr lang="de-DE" baseline="0" dirty="0" smtClean="0"/>
+                        <a:t>Fehlerbehebung</a:t>
+                      </a:r>
+                    </a:p>
+                  </a:txBody>
+                  <a:tcPr/>
+                </a:tc>
+                <a:tc>
+                  <a:txBody>
+                    <a:bodyPr/>
+                    <a:lstStyle/>
+                    <a:p>
+                      <a:pPr algn="ctr"/>
+                      <a:r>
+                        <a:rPr lang="de-DE" dirty="0" smtClean="0"/>
+                        <a:t>31.08 – 20.09</a:t>
+                      </a:r>
+                      <a:endParaRPr lang="de-DE" dirty="0"/>
+                    </a:p>
+                  </a:txBody>
+                  <a:tcPr/>
+                </a:tc>
+                <a:tc>
+                  <a:txBody>
+                    <a:bodyPr/>
+                    <a:lstStyle/>
+                    <a:p>
+                      <a:pPr algn="ctr"/>
+                      <a:r>
+                        <a:rPr lang="de-DE" dirty="0" smtClean="0"/>
+                        <a:t>31.08 – 20.09</a:t>
+                      </a:r>
+                    </a:p>
+                    <a:p>
+                      <a:pPr algn="ctr"/>
+                      <a:endParaRPr lang="de-DE" dirty="0" smtClean="0"/>
+                    </a:p>
+                    <a:p>
+                      <a:pPr algn="ctr"/>
+                      <a:r>
+                        <a:rPr lang="de-DE" dirty="0" smtClean="0"/>
+                        <a:t>Weiterarbeitung am </a:t>
+                      </a:r>
+                    </a:p>
+                    <a:p>
+                      <a:pPr algn="ctr"/>
+                      <a:r>
+                        <a:rPr lang="de-DE" dirty="0" smtClean="0"/>
+                        <a:t>1. Meilenstein</a:t>
+                      </a:r>
+                    </a:p>
+                  </a:txBody>
+                  <a:tcPr/>
+                </a:tc>
+              </a:tr>
+              <a:tr h="961078">
+                <a:tc>
+                  <a:txBody>
+                    <a:bodyPr/>
+                    <a:lstStyle/>
+                    <a:p>
+                      <a:pPr algn="ctr"/>
+                      <a:r>
+                        <a:rPr lang="de-DE" dirty="0" smtClean="0"/>
+                        <a:t>Verschönerung</a:t>
+                      </a:r>
+                      <a:r>
+                        <a:rPr lang="de-DE" baseline="0" dirty="0" smtClean="0"/>
+                        <a:t> Objekte</a:t>
+                      </a:r>
+                    </a:p>
+                    <a:p>
+                      <a:pPr algn="ctr"/>
+                      <a:r>
+                        <a:rPr lang="de-DE" baseline="0" dirty="0" smtClean="0"/>
+                        <a:t>Interface</a:t>
+                      </a:r>
+                    </a:p>
+                    <a:p>
+                      <a:pPr algn="ctr"/>
+                      <a:r>
+                        <a:rPr lang="de-DE" baseline="0" dirty="0" smtClean="0"/>
+                        <a:t>Erstellung Soundeffekte</a:t>
+                      </a:r>
+                    </a:p>
+                  </a:txBody>
+                  <a:tcPr/>
+                </a:tc>
+                <a:tc>
+                  <a:txBody>
+                    <a:bodyPr/>
+                    <a:lstStyle/>
+                    <a:p>
+                      <a:pPr algn="ctr"/>
+                      <a:r>
+                        <a:rPr lang="de-DE" dirty="0" smtClean="0"/>
+                        <a:t>21.09 – 27.09</a:t>
+                      </a:r>
+                      <a:endParaRPr lang="de-DE" dirty="0"/>
+                    </a:p>
+                  </a:txBody>
+                  <a:tcPr/>
+                </a:tc>
+                <a:tc>
+                  <a:txBody>
+                    <a:bodyPr/>
+                    <a:lstStyle/>
+                    <a:p>
+                      <a:pPr algn="ctr"/>
+                      <a:r>
+                        <a:rPr lang="de-DE" dirty="0" smtClean="0"/>
+                        <a:t>Weiterarbeitung</a:t>
+                      </a:r>
+                      <a:r>
+                        <a:rPr lang="de-DE" baseline="0" dirty="0" smtClean="0"/>
+                        <a:t> an Meilenstein 2</a:t>
+                      </a:r>
+                    </a:p>
+                    <a:p>
+                      <a:pPr marL="0" marR="0" indent="0" algn="ctr" defTabSz="457200" rtl="0" eaLnBrk="1" fontAlgn="auto" latinLnBrk="0" hangingPunct="1">
+                        <a:lnSpc>
+                          <a:spcPct val="100000"/>
+                        </a:lnSpc>
+                        <a:spcBef>
+                          <a:spcPts val="0"/>
+                        </a:spcBef>
+                        <a:spcAft>
+                          <a:spcPts val="0"/>
+                        </a:spcAft>
+                        <a:buClrTx/>
+                        <a:buSzTx/>
+                        <a:buFontTx/>
+                        <a:buNone/>
+                        <a:tabLst/>
+                        <a:defRPr/>
+                      </a:pPr>
+                      <a:endParaRPr lang="de-DE" baseline="0" dirty="0" smtClean="0"/>
+                    </a:p>
+                    <a:p>
+                      <a:pPr marL="0" marR="0" indent="0" algn="ctr" defTabSz="457200" rtl="0" eaLnBrk="1" fontAlgn="auto" latinLnBrk="0" hangingPunct="1">
+                        <a:lnSpc>
+                          <a:spcPct val="100000"/>
+                        </a:lnSpc>
+                        <a:spcBef>
+                          <a:spcPts val="0"/>
+                        </a:spcBef>
+                        <a:spcAft>
+                          <a:spcPts val="0"/>
+                        </a:spcAft>
+                        <a:buClrTx/>
+                        <a:buSzTx/>
+                        <a:buFontTx/>
+                        <a:buNone/>
+                        <a:tabLst/>
+                        <a:defRPr/>
+                      </a:pPr>
+                      <a:r>
+                        <a:rPr lang="de-DE" dirty="0" smtClean="0"/>
+                        <a:t>21.09 – 02.10</a:t>
+                      </a:r>
+                    </a:p>
+                    <a:p>
+                      <a:pPr algn="ctr"/>
+                      <a:endParaRPr lang="de-DE" dirty="0"/>
+                    </a:p>
+                  </a:txBody>
+                  <a:tcPr/>
+                </a:tc>
+              </a:tr>
+            </a:tbl>
+          </a:graphicData>
+        </a:graphic>
+      </p:graphicFrame>
+    </p:spTree>
+    <p:extLst>
+      <p:ext uri="{BB962C8B-B14F-4D97-AF65-F5344CB8AC3E}">
+        <p14:creationId xmlns:p14="http://schemas.microsoft.com/office/powerpoint/2010/main" val="1965446208"/>
+      </p:ext>
+    </p:extLst>
+  </p:cSld>
+  <p:clrMapOvr>
+    <a:masterClrMapping/>
+  </p:clrMapOvr>
+  <p:timing>
+    <p:tnLst>
+      <p:par>
+        <p:cTn id="1" dur="indefinite" restart="never" nodeType="tmRoot"/>
+      </p:par>
+    </p:tnLst>
+  </p:timing>
+</p:sld>
+</file>
+
+<file path=ppt/slides/slide12.xml><?xml version="1.0" encoding="utf-8"?>
+<p:sld xmlns:a="http://schemas.openxmlformats.org/drawingml/2006/main" xmlns:r="http://schemas.openxmlformats.org/officeDocument/2006/relationships" xmlns:p="http://schemas.openxmlformats.org/presentationml/2006/main">
+  <p:cSld>
+    <p:spTree>
+      <p:nvGrpSpPr>
+        <p:cNvPr id="1" name=""/>
+        <p:cNvGrpSpPr/>
+        <p:nvPr/>
+      </p:nvGrpSpPr>
+      <p:grpSpPr>
+        <a:xfrm>
+          <a:off x="0" y="0"/>
+          <a:ext cx="0" cy="0"/>
+          <a:chOff x="0" y="0"/>
+          <a:chExt cx="0" cy="0"/>
+        </a:xfrm>
+      </p:grpSpPr>
+      <p:sp>
+        <p:nvSpPr>
+          <p:cNvPr id="2" name="Titel 1"/>
+          <p:cNvSpPr>
+            <a:spLocks noGrp="1"/>
+          </p:cNvSpPr>
+          <p:nvPr>
+            <p:ph type="ctrTitle"/>
+          </p:nvPr>
+        </p:nvSpPr>
+        <p:spPr>
+          <a:xfrm>
+            <a:off x="-268014" y="0"/>
+            <a:ext cx="8001000" cy="882868"/>
+          </a:xfrm>
+        </p:spPr>
+        <p:txBody>
+          <a:bodyPr/>
+          <a:lstStyle/>
+          <a:p>
+            <a:pPr algn="ctr"/>
+            <a:r>
+              <a:rPr lang="de-DE" dirty="0" smtClean="0"/>
+              <a:t>Aufgabenverteilung</a:t>
+            </a:r>
+            <a:endParaRPr lang="de-DE" dirty="0"/>
+          </a:p>
+        </p:txBody>
+      </p:sp>
+      <p:graphicFrame>
+        <p:nvGraphicFramePr>
+          <p:cNvPr id="5" name="Tabelle 4"/>
+          <p:cNvGraphicFramePr>
+            <a:graphicFrameLocks noGrp="1"/>
+          </p:cNvGraphicFramePr>
+          <p:nvPr>
+            <p:extLst>
+              <p:ext uri="{D42A27DB-BD31-4B8C-83A1-F6EECF244321}">
+                <p14:modId xmlns:p14="http://schemas.microsoft.com/office/powerpoint/2010/main" val="2769071168"/>
+              </p:ext>
+            </p:extLst>
+          </p:nvPr>
+        </p:nvGraphicFramePr>
+        <p:xfrm>
+          <a:off x="4319752" y="1007704"/>
+          <a:ext cx="7742239" cy="5739937"/>
+        </p:xfrm>
+        <a:graphic>
+          <a:graphicData uri="http://schemas.openxmlformats.org/drawingml/2006/table">
+            <a:tbl>
+              <a:tblPr firstRow="1" bandRow="1">
+                <a:tableStyleId>{5C22544A-7EE6-4342-B048-85BDC9FD1C3A}</a:tableStyleId>
+              </a:tblPr>
+              <a:tblGrid>
+                <a:gridCol w="4023043"/>
+                <a:gridCol w="1160780"/>
+                <a:gridCol w="922655"/>
+                <a:gridCol w="746443"/>
+                <a:gridCol w="889318"/>
+              </a:tblGrid>
+              <a:tr h="370304">
+                <a:tc>
+                  <a:txBody>
+                    <a:bodyPr/>
+                    <a:lstStyle/>
+                    <a:p>
+                      <a:endParaRPr lang="de-DE" dirty="0"/>
+                    </a:p>
+                  </a:txBody>
+                  <a:tcPr/>
+                </a:tc>
+                <a:tc>
+                  <a:txBody>
+                    <a:bodyPr/>
+                    <a:lstStyle/>
+                    <a:p>
+                      <a:r>
+                        <a:rPr lang="de-DE" dirty="0" smtClean="0"/>
+                        <a:t>Dominic</a:t>
+                      </a:r>
+                      <a:endParaRPr lang="de-DE" dirty="0"/>
+                    </a:p>
+                  </a:txBody>
+                  <a:tcPr/>
+                </a:tc>
+                <a:tc>
+                  <a:txBody>
+                    <a:bodyPr/>
+                    <a:lstStyle/>
+                    <a:p>
+                      <a:r>
+                        <a:rPr lang="de-DE" dirty="0" smtClean="0"/>
+                        <a:t>André</a:t>
+                      </a:r>
+                      <a:endParaRPr lang="de-DE" dirty="0"/>
+                    </a:p>
+                  </a:txBody>
+                  <a:tcPr/>
+                </a:tc>
+                <a:tc>
+                  <a:txBody>
+                    <a:bodyPr/>
+                    <a:lstStyle/>
+                    <a:p>
+                      <a:r>
+                        <a:rPr lang="de-DE" dirty="0" smtClean="0"/>
+                        <a:t>Alex</a:t>
+                      </a:r>
+                      <a:endParaRPr lang="de-DE" dirty="0"/>
+                    </a:p>
+                  </a:txBody>
+                  <a:tcPr/>
+                </a:tc>
+                <a:tc>
+                  <a:txBody>
+                    <a:bodyPr/>
+                    <a:lstStyle/>
+                    <a:p>
+                      <a:r>
+                        <a:rPr lang="de-DE" dirty="0" smtClean="0"/>
+                        <a:t>Jonas</a:t>
+                      </a:r>
+                      <a:endParaRPr lang="de-DE" dirty="0"/>
+                    </a:p>
+                  </a:txBody>
+                  <a:tcPr/>
+                </a:tc>
+              </a:tr>
+              <a:tr h="312570">
+                <a:tc>
+                  <a:txBody>
+                    <a:bodyPr/>
+                    <a:lstStyle/>
+                    <a:p>
+                      <a:r>
+                        <a:rPr lang="de-DE" dirty="0" smtClean="0"/>
+                        <a:t>Tutorials</a:t>
+                      </a:r>
+                      <a:endParaRPr lang="de-DE" dirty="0"/>
+                    </a:p>
+                  </a:txBody>
+                  <a:tcPr/>
+                </a:tc>
+                <a:tc>
+                  <a:txBody>
+                    <a:bodyPr/>
+                    <a:lstStyle/>
+                    <a:p>
+                      <a:r>
+                        <a:rPr lang="de-DE" dirty="0" smtClean="0"/>
+                        <a:t>10</a:t>
+                      </a:r>
+                      <a:endParaRPr lang="de-DE" dirty="0"/>
+                    </a:p>
+                  </a:txBody>
+                  <a:tcPr/>
+                </a:tc>
+                <a:tc>
+                  <a:txBody>
+                    <a:bodyPr/>
+                    <a:lstStyle/>
+                    <a:p>
+                      <a:r>
+                        <a:rPr lang="de-DE" dirty="0" smtClean="0"/>
+                        <a:t>10</a:t>
+                      </a:r>
+                      <a:endParaRPr lang="de-DE" dirty="0"/>
+                    </a:p>
+                  </a:txBody>
+                  <a:tcPr/>
+                </a:tc>
+                <a:tc>
+                  <a:txBody>
+                    <a:bodyPr/>
+                    <a:lstStyle/>
+                    <a:p>
+                      <a:r>
+                        <a:rPr lang="de-DE" dirty="0" smtClean="0"/>
+                        <a:t>10</a:t>
+                      </a:r>
+                      <a:endParaRPr lang="de-DE" dirty="0"/>
+                    </a:p>
+                  </a:txBody>
+                  <a:tcPr/>
+                </a:tc>
+                <a:tc>
+                  <a:txBody>
+                    <a:bodyPr/>
+                    <a:lstStyle/>
+                    <a:p>
+                      <a:r>
+                        <a:rPr lang="de-DE" dirty="0" smtClean="0"/>
+                        <a:t>10</a:t>
+                      </a:r>
+                      <a:endParaRPr lang="de-DE" dirty="0"/>
+                    </a:p>
+                  </a:txBody>
+                  <a:tcPr/>
+                </a:tc>
+              </a:tr>
+              <a:tr h="781425">
+                <a:tc>
+                  <a:txBody>
+                    <a:bodyPr/>
+                    <a:lstStyle/>
+                    <a:p>
+                      <a:r>
+                        <a:rPr lang="de-DE" dirty="0" smtClean="0"/>
+                        <a:t>Steuerung Flugzeug/Kamera</a:t>
+                      </a:r>
+                      <a:endParaRPr lang="de-DE" dirty="0"/>
+                    </a:p>
+                  </a:txBody>
+                  <a:tcPr/>
+                </a:tc>
+                <a:tc>
+                  <a:txBody>
+                    <a:bodyPr/>
+                    <a:lstStyle/>
+                    <a:p>
+                      <a:r>
+                        <a:rPr lang="de-DE" dirty="0" smtClean="0"/>
+                        <a:t>15</a:t>
+                      </a:r>
+                      <a:endParaRPr lang="de-DE" dirty="0"/>
+                    </a:p>
+                  </a:txBody>
+                  <a:tcPr/>
+                </a:tc>
+                <a:tc>
+                  <a:txBody>
+                    <a:bodyPr/>
+                    <a:lstStyle/>
+                    <a:p>
+                      <a:r>
+                        <a:rPr lang="de-DE" dirty="0" smtClean="0"/>
+                        <a:t>30</a:t>
+                      </a:r>
+                      <a:endParaRPr lang="de-DE" dirty="0"/>
+                    </a:p>
+                  </a:txBody>
+                  <a:tcPr/>
+                </a:tc>
+                <a:tc>
+                  <a:txBody>
+                    <a:bodyPr/>
+                    <a:lstStyle/>
+                    <a:p>
+                      <a:r>
+                        <a:rPr lang="de-DE" dirty="0" smtClean="0"/>
+                        <a:t>10</a:t>
+                      </a:r>
+                      <a:endParaRPr lang="de-DE" dirty="0"/>
+                    </a:p>
+                  </a:txBody>
+                  <a:tcPr/>
+                </a:tc>
+                <a:tc>
+                  <a:txBody>
+                    <a:bodyPr/>
+                    <a:lstStyle/>
+                    <a:p>
+                      <a:r>
+                        <a:rPr lang="de-DE" dirty="0" smtClean="0"/>
+                        <a:t>12</a:t>
+                      </a:r>
+                      <a:endParaRPr lang="de-DE" dirty="0"/>
+                    </a:p>
+                  </a:txBody>
+                  <a:tcPr/>
+                </a:tc>
+              </a:tr>
+              <a:tr h="546998">
+                <a:tc>
+                  <a:txBody>
+                    <a:bodyPr/>
+                    <a:lstStyle/>
+                    <a:p>
+                      <a:r>
+                        <a:rPr lang="de-DE" dirty="0" smtClean="0"/>
+                        <a:t>Steuerung Projektile</a:t>
+                      </a:r>
+                      <a:endParaRPr lang="de-DE" dirty="0"/>
+                    </a:p>
+                  </a:txBody>
+                  <a:tcPr/>
+                </a:tc>
+                <a:tc>
+                  <a:txBody>
+                    <a:bodyPr/>
+                    <a:lstStyle/>
+                    <a:p>
+                      <a:r>
+                        <a:rPr lang="de-DE" dirty="0" smtClean="0"/>
+                        <a:t>5</a:t>
+                      </a:r>
+                      <a:endParaRPr lang="de-DE" dirty="0"/>
+                    </a:p>
+                  </a:txBody>
+                  <a:tcPr/>
+                </a:tc>
+                <a:tc>
+                  <a:txBody>
+                    <a:bodyPr/>
+                    <a:lstStyle/>
+                    <a:p>
+                      <a:r>
+                        <a:rPr lang="de-DE" dirty="0" smtClean="0"/>
+                        <a:t>5</a:t>
+                      </a:r>
+                      <a:endParaRPr lang="de-DE" dirty="0"/>
+                    </a:p>
+                  </a:txBody>
+                  <a:tcPr/>
+                </a:tc>
+                <a:tc>
+                  <a:txBody>
+                    <a:bodyPr/>
+                    <a:lstStyle/>
+                    <a:p>
+                      <a:r>
+                        <a:rPr lang="de-DE" dirty="0" smtClean="0"/>
+                        <a:t>5</a:t>
+                      </a:r>
+                      <a:endParaRPr lang="de-DE" dirty="0"/>
+                    </a:p>
+                  </a:txBody>
+                  <a:tcPr/>
+                </a:tc>
+                <a:tc>
+                  <a:txBody>
+                    <a:bodyPr/>
+                    <a:lstStyle/>
+                    <a:p>
+                      <a:r>
+                        <a:rPr lang="de-DE" dirty="0" smtClean="0"/>
+                        <a:t>18</a:t>
+                      </a:r>
+                      <a:endParaRPr lang="de-DE" dirty="0"/>
+                    </a:p>
+                  </a:txBody>
+                  <a:tcPr/>
+                </a:tc>
+              </a:tr>
+              <a:tr h="781425">
+                <a:tc>
+                  <a:txBody>
+                    <a:bodyPr/>
+                    <a:lstStyle/>
+                    <a:p>
+                      <a:r>
+                        <a:rPr lang="de-DE" dirty="0" smtClean="0"/>
+                        <a:t>Erstellung Platzierung</a:t>
+                      </a:r>
+                      <a:r>
+                        <a:rPr lang="de-DE" baseline="0" dirty="0" smtClean="0"/>
+                        <a:t> Zielscheiben</a:t>
+                      </a:r>
+                      <a:endParaRPr lang="de-DE" dirty="0"/>
+                    </a:p>
+                  </a:txBody>
+                  <a:tcPr/>
+                </a:tc>
+                <a:tc>
+                  <a:txBody>
+                    <a:bodyPr/>
+                    <a:lstStyle/>
+                    <a:p>
+                      <a:r>
+                        <a:rPr lang="de-DE" dirty="0" smtClean="0"/>
+                        <a:t>5</a:t>
+                      </a:r>
+                      <a:endParaRPr lang="de-DE" dirty="0"/>
+                    </a:p>
+                  </a:txBody>
+                  <a:tcPr/>
+                </a:tc>
+                <a:tc>
+                  <a:txBody>
+                    <a:bodyPr/>
+                    <a:lstStyle/>
+                    <a:p>
+                      <a:r>
+                        <a:rPr lang="de-DE" dirty="0" smtClean="0"/>
+                        <a:t>5</a:t>
+                      </a:r>
+                      <a:endParaRPr lang="de-DE" dirty="0"/>
+                    </a:p>
+                  </a:txBody>
+                  <a:tcPr/>
+                </a:tc>
+                <a:tc>
+                  <a:txBody>
+                    <a:bodyPr/>
+                    <a:lstStyle/>
+                    <a:p>
+                      <a:r>
+                        <a:rPr lang="de-DE" dirty="0" smtClean="0"/>
+                        <a:t>15</a:t>
+                      </a:r>
+                      <a:endParaRPr lang="de-DE" dirty="0"/>
+                    </a:p>
+                  </a:txBody>
+                  <a:tcPr/>
+                </a:tc>
+                <a:tc>
+                  <a:txBody>
+                    <a:bodyPr/>
+                    <a:lstStyle/>
+                    <a:p>
+                      <a:r>
+                        <a:rPr lang="de-DE" dirty="0" smtClean="0"/>
+                        <a:t>7</a:t>
+                      </a:r>
+                      <a:endParaRPr lang="de-DE" dirty="0"/>
+                    </a:p>
+                  </a:txBody>
+                  <a:tcPr/>
+                </a:tc>
+              </a:tr>
+              <a:tr h="476995">
+                <a:tc>
+                  <a:txBody>
+                    <a:bodyPr/>
+                    <a:lstStyle/>
+                    <a:p>
+                      <a:pPr algn="l" fontAlgn="b"/>
+                      <a:r>
+                        <a:rPr lang="de-DE" sz="1800" kern="1200" dirty="0">
+                          <a:solidFill>
+                            <a:schemeClr val="dk1"/>
+                          </a:solidFill>
+                          <a:latin typeface="+mn-lt"/>
+                          <a:ea typeface="+mn-ea"/>
+                          <a:cs typeface="+mn-cs"/>
+                        </a:rPr>
+                        <a:t>Interaktion von allen Objekten</a:t>
+                      </a:r>
+                    </a:p>
+                  </a:txBody>
+                  <a:tcPr marL="9525" marR="9525" marT="9525" marB="0" anchor="b"/>
+                </a:tc>
+                <a:tc>
+                  <a:txBody>
+                    <a:bodyPr/>
+                    <a:lstStyle/>
+                    <a:p>
+                      <a:r>
+                        <a:rPr lang="de-DE" dirty="0" smtClean="0"/>
+                        <a:t>10</a:t>
+                      </a:r>
+                      <a:endParaRPr lang="de-DE" dirty="0"/>
+                    </a:p>
+                  </a:txBody>
+                  <a:tcPr/>
+                </a:tc>
+                <a:tc>
+                  <a:txBody>
+                    <a:bodyPr/>
+                    <a:lstStyle/>
+                    <a:p>
+                      <a:r>
+                        <a:rPr lang="de-DE" dirty="0" smtClean="0"/>
+                        <a:t>10</a:t>
+                      </a:r>
+                      <a:endParaRPr lang="de-DE" dirty="0"/>
+                    </a:p>
+                  </a:txBody>
+                  <a:tcPr/>
+                </a:tc>
+                <a:tc>
+                  <a:txBody>
+                    <a:bodyPr/>
+                    <a:lstStyle/>
+                    <a:p>
+                      <a:r>
+                        <a:rPr lang="de-DE" dirty="0" smtClean="0"/>
+                        <a:t>15</a:t>
+                      </a:r>
+                      <a:endParaRPr lang="de-DE" dirty="0"/>
+                    </a:p>
+                  </a:txBody>
+                  <a:tcPr/>
+                </a:tc>
+                <a:tc>
+                  <a:txBody>
+                    <a:bodyPr/>
+                    <a:lstStyle/>
+                    <a:p>
+                      <a:r>
+                        <a:rPr lang="de-DE" dirty="0" smtClean="0"/>
+                        <a:t>10</a:t>
+                      </a:r>
+                      <a:endParaRPr lang="de-DE" dirty="0"/>
+                    </a:p>
+                  </a:txBody>
+                  <a:tcPr/>
+                </a:tc>
+              </a:tr>
+              <a:tr h="476995">
+                <a:tc>
+                  <a:txBody>
+                    <a:bodyPr/>
+                    <a:lstStyle/>
+                    <a:p>
+                      <a:pPr algn="l" fontAlgn="b"/>
+                      <a:r>
+                        <a:rPr lang="de-DE" sz="1800" kern="1200" dirty="0">
+                          <a:solidFill>
+                            <a:schemeClr val="dk1"/>
+                          </a:solidFill>
+                          <a:latin typeface="+mn-lt"/>
+                          <a:ea typeface="+mn-ea"/>
+                          <a:cs typeface="+mn-cs"/>
+                        </a:rPr>
+                        <a:t>Kollision Flugzeug/Projektile</a:t>
+                      </a:r>
+                    </a:p>
+                  </a:txBody>
+                  <a:tcPr marL="9525" marR="9525" marT="9525" marB="0" anchor="b"/>
+                </a:tc>
+                <a:tc>
+                  <a:txBody>
+                    <a:bodyPr/>
+                    <a:lstStyle/>
+                    <a:p>
+                      <a:r>
+                        <a:rPr lang="de-DE" dirty="0" smtClean="0"/>
+                        <a:t>30</a:t>
+                      </a:r>
+                      <a:endParaRPr lang="de-DE" dirty="0"/>
+                    </a:p>
+                  </a:txBody>
+                  <a:tcPr/>
+                </a:tc>
+                <a:tc>
+                  <a:txBody>
+                    <a:bodyPr/>
+                    <a:lstStyle/>
+                    <a:p>
+                      <a:r>
+                        <a:rPr lang="de-DE" dirty="0" smtClean="0"/>
+                        <a:t>12</a:t>
+                      </a:r>
+                      <a:endParaRPr lang="de-DE" dirty="0"/>
+                    </a:p>
+                  </a:txBody>
+                  <a:tcPr/>
+                </a:tc>
+                <a:tc>
+                  <a:txBody>
+                    <a:bodyPr/>
+                    <a:lstStyle/>
+                    <a:p>
+                      <a:r>
+                        <a:rPr lang="de-DE" dirty="0" smtClean="0"/>
+                        <a:t>20</a:t>
+                      </a:r>
+                      <a:endParaRPr lang="de-DE" dirty="0"/>
+                    </a:p>
+                  </a:txBody>
+                  <a:tcPr/>
+                </a:tc>
+                <a:tc>
+                  <a:txBody>
+                    <a:bodyPr/>
+                    <a:lstStyle/>
+                    <a:p>
+                      <a:r>
+                        <a:rPr lang="de-DE" dirty="0" smtClean="0"/>
+                        <a:t>12</a:t>
+                      </a:r>
+                      <a:endParaRPr lang="de-DE" dirty="0"/>
+                    </a:p>
+                  </a:txBody>
+                  <a:tcPr/>
+                </a:tc>
+              </a:tr>
+              <a:tr h="312570">
+                <a:tc>
+                  <a:txBody>
+                    <a:bodyPr/>
+                    <a:lstStyle/>
+                    <a:p>
+                      <a:pPr marL="0" algn="l" defTabSz="457200" rtl="0" eaLnBrk="1" fontAlgn="b" latinLnBrk="0" hangingPunct="1"/>
+                      <a:r>
+                        <a:rPr lang="de-DE" sz="1800" kern="1200" dirty="0">
+                          <a:solidFill>
+                            <a:schemeClr val="dk1"/>
+                          </a:solidFill>
+                          <a:latin typeface="+mn-lt"/>
+                          <a:ea typeface="+mn-ea"/>
+                          <a:cs typeface="+mn-cs"/>
+                        </a:rPr>
+                        <a:t>Fehlerbehebung</a:t>
+                      </a:r>
+                    </a:p>
+                  </a:txBody>
+                  <a:tcPr marL="9525" marR="9525" marT="9525" marB="0" anchor="b"/>
+                </a:tc>
+                <a:tc>
+                  <a:txBody>
+                    <a:bodyPr/>
+                    <a:lstStyle/>
+                    <a:p>
+                      <a:r>
+                        <a:rPr lang="de-DE" dirty="0" smtClean="0"/>
+                        <a:t>15</a:t>
+                      </a:r>
+                      <a:endParaRPr lang="de-DE" dirty="0"/>
+                    </a:p>
+                  </a:txBody>
+                  <a:tcPr/>
+                </a:tc>
+                <a:tc>
+                  <a:txBody>
+                    <a:bodyPr/>
+                    <a:lstStyle/>
+                    <a:p>
+                      <a:r>
+                        <a:rPr lang="de-DE" dirty="0" smtClean="0"/>
+                        <a:t>15</a:t>
+                      </a:r>
+                      <a:endParaRPr lang="de-DE" dirty="0"/>
+                    </a:p>
+                  </a:txBody>
+                  <a:tcPr/>
+                </a:tc>
+                <a:tc>
+                  <a:txBody>
+                    <a:bodyPr/>
+                    <a:lstStyle/>
+                    <a:p>
+                      <a:r>
+                        <a:rPr lang="de-DE" dirty="0" smtClean="0"/>
+                        <a:t>15</a:t>
+                      </a:r>
+                      <a:endParaRPr lang="de-DE" dirty="0"/>
+                    </a:p>
+                  </a:txBody>
+                  <a:tcPr/>
+                </a:tc>
+                <a:tc>
+                  <a:txBody>
+                    <a:bodyPr/>
+                    <a:lstStyle/>
+                    <a:p>
+                      <a:r>
+                        <a:rPr lang="de-DE" dirty="0" smtClean="0"/>
+                        <a:t>15</a:t>
+                      </a:r>
+                      <a:endParaRPr lang="de-DE" dirty="0"/>
+                    </a:p>
+                  </a:txBody>
+                  <a:tcPr/>
+                </a:tc>
+              </a:tr>
+              <a:tr h="312570">
+                <a:tc>
+                  <a:txBody>
+                    <a:bodyPr/>
+                    <a:lstStyle/>
+                    <a:p>
+                      <a:pPr marL="0" algn="l" defTabSz="457200" rtl="0" eaLnBrk="1" fontAlgn="b" latinLnBrk="0" hangingPunct="1"/>
+                      <a:r>
+                        <a:rPr lang="de-DE" sz="1800" kern="1200" dirty="0">
+                          <a:solidFill>
+                            <a:schemeClr val="dk1"/>
+                          </a:solidFill>
+                          <a:latin typeface="+mn-lt"/>
+                          <a:ea typeface="+mn-ea"/>
+                          <a:cs typeface="+mn-cs"/>
+                        </a:rPr>
+                        <a:t>Interface</a:t>
+                      </a:r>
+                    </a:p>
+                  </a:txBody>
+                  <a:tcPr marL="9525" marR="9525" marT="9525" marB="0" anchor="b"/>
+                </a:tc>
+                <a:tc>
+                  <a:txBody>
+                    <a:bodyPr/>
+                    <a:lstStyle/>
+                    <a:p>
+                      <a:r>
+                        <a:rPr lang="de-DE" dirty="0" smtClean="0"/>
+                        <a:t>10</a:t>
+                      </a:r>
+                      <a:endParaRPr lang="de-DE" dirty="0"/>
+                    </a:p>
+                  </a:txBody>
+                  <a:tcPr/>
+                </a:tc>
+                <a:tc>
+                  <a:txBody>
+                    <a:bodyPr/>
+                    <a:lstStyle/>
+                    <a:p>
+                      <a:r>
+                        <a:rPr lang="de-DE" dirty="0" smtClean="0"/>
+                        <a:t>13</a:t>
+                      </a:r>
+                      <a:endParaRPr lang="de-DE" dirty="0"/>
+                    </a:p>
+                  </a:txBody>
+                  <a:tcPr/>
+                </a:tc>
+                <a:tc>
+                  <a:txBody>
+                    <a:bodyPr/>
+                    <a:lstStyle/>
+                    <a:p>
+                      <a:r>
+                        <a:rPr lang="de-DE" dirty="0" smtClean="0"/>
+                        <a:t>13</a:t>
+                      </a:r>
+                      <a:endParaRPr lang="de-DE" dirty="0"/>
+                    </a:p>
+                  </a:txBody>
+                  <a:tcPr/>
+                </a:tc>
+                <a:tc>
+                  <a:txBody>
+                    <a:bodyPr/>
+                    <a:lstStyle/>
+                    <a:p>
+                      <a:r>
+                        <a:rPr lang="de-DE" dirty="0" smtClean="0"/>
+                        <a:t>14</a:t>
+                      </a:r>
+                      <a:endParaRPr lang="de-DE" dirty="0"/>
+                    </a:p>
+                  </a:txBody>
+                  <a:tcPr/>
+                </a:tc>
+              </a:tr>
+              <a:tr h="476995">
+                <a:tc>
+                  <a:txBody>
+                    <a:bodyPr/>
+                    <a:lstStyle/>
+                    <a:p>
+                      <a:pPr marL="0" algn="l" defTabSz="457200" rtl="0" eaLnBrk="1" fontAlgn="b" latinLnBrk="0" hangingPunct="1"/>
+                      <a:r>
+                        <a:rPr lang="de-DE" sz="1800" kern="1200" dirty="0">
+                          <a:solidFill>
+                            <a:schemeClr val="dk1"/>
+                          </a:solidFill>
+                          <a:latin typeface="+mn-lt"/>
+                          <a:ea typeface="+mn-ea"/>
+                          <a:cs typeface="+mn-cs"/>
+                        </a:rPr>
+                        <a:t>Erstellung Soundeffekte</a:t>
+                      </a:r>
+                    </a:p>
+                  </a:txBody>
+                  <a:tcPr marL="9525" marR="9525" marT="9525" marB="0" anchor="b"/>
+                </a:tc>
+                <a:tc>
+                  <a:txBody>
+                    <a:bodyPr/>
+                    <a:lstStyle/>
+                    <a:p>
+                      <a:r>
+                        <a:rPr lang="de-DE" dirty="0" smtClean="0"/>
+                        <a:t>13</a:t>
+                      </a:r>
+                      <a:endParaRPr lang="de-DE" dirty="0"/>
+                    </a:p>
+                  </a:txBody>
+                  <a:tcPr/>
+                </a:tc>
+                <a:tc>
+                  <a:txBody>
+                    <a:bodyPr/>
+                    <a:lstStyle/>
+                    <a:p>
+                      <a:r>
+                        <a:rPr lang="de-DE" dirty="0" smtClean="0"/>
+                        <a:t>10</a:t>
+                      </a:r>
+                      <a:endParaRPr lang="de-DE" dirty="0"/>
+                    </a:p>
+                  </a:txBody>
+                  <a:tcPr/>
+                </a:tc>
+                <a:tc>
+                  <a:txBody>
+                    <a:bodyPr/>
+                    <a:lstStyle/>
+                    <a:p>
+                      <a:r>
+                        <a:rPr lang="de-DE" dirty="0" smtClean="0"/>
+                        <a:t>15</a:t>
+                      </a:r>
+                      <a:endParaRPr lang="de-DE" dirty="0"/>
+                    </a:p>
+                  </a:txBody>
+                  <a:tcPr/>
+                </a:tc>
+                <a:tc>
+                  <a:txBody>
+                    <a:bodyPr/>
+                    <a:lstStyle/>
+                    <a:p>
+                      <a:r>
+                        <a:rPr lang="de-DE" dirty="0" smtClean="0"/>
+                        <a:t>12</a:t>
+                      </a:r>
+                      <a:endParaRPr lang="de-DE" dirty="0"/>
+                    </a:p>
+                  </a:txBody>
+                  <a:tcPr/>
+                </a:tc>
+              </a:tr>
+              <a:tr h="312570">
+                <a:tc>
+                  <a:txBody>
+                    <a:bodyPr/>
+                    <a:lstStyle/>
+                    <a:p>
+                      <a:pPr marL="0" algn="l" defTabSz="457200" rtl="0" eaLnBrk="1" fontAlgn="b" latinLnBrk="0" hangingPunct="1"/>
+                      <a:r>
+                        <a:rPr lang="de-DE" sz="1800" kern="1200" dirty="0" err="1">
+                          <a:solidFill>
+                            <a:schemeClr val="dk1"/>
+                          </a:solidFill>
+                          <a:latin typeface="+mn-lt"/>
+                          <a:ea typeface="+mn-ea"/>
+                          <a:cs typeface="+mn-cs"/>
+                        </a:rPr>
+                        <a:t>Oculus</a:t>
+                      </a:r>
+                      <a:r>
+                        <a:rPr lang="de-DE" sz="1800" kern="1200" dirty="0">
+                          <a:solidFill>
+                            <a:schemeClr val="dk1"/>
+                          </a:solidFill>
+                          <a:latin typeface="+mn-lt"/>
+                          <a:ea typeface="+mn-ea"/>
+                          <a:cs typeface="+mn-cs"/>
+                        </a:rPr>
+                        <a:t> Rift</a:t>
+                      </a:r>
+                    </a:p>
+                  </a:txBody>
+                  <a:tcPr marL="9525" marR="9525" marT="9525" marB="0" anchor="b"/>
+                </a:tc>
+                <a:tc>
+                  <a:txBody>
+                    <a:bodyPr/>
+                    <a:lstStyle/>
+                    <a:p>
+                      <a:r>
+                        <a:rPr lang="de-DE" dirty="0" smtClean="0"/>
+                        <a:t>5</a:t>
+                      </a:r>
+                      <a:endParaRPr lang="de-DE" dirty="0"/>
+                    </a:p>
+                  </a:txBody>
+                  <a:tcPr/>
+                </a:tc>
+                <a:tc>
+                  <a:txBody>
+                    <a:bodyPr/>
+                    <a:lstStyle/>
+                    <a:p>
+                      <a:r>
+                        <a:rPr lang="de-DE" dirty="0" smtClean="0"/>
+                        <a:t>5</a:t>
+                      </a:r>
+                      <a:endParaRPr lang="de-DE" dirty="0"/>
+                    </a:p>
+                  </a:txBody>
+                  <a:tcPr/>
+                </a:tc>
+                <a:tc>
+                  <a:txBody>
+                    <a:bodyPr/>
+                    <a:lstStyle/>
+                    <a:p>
+                      <a:r>
+                        <a:rPr lang="de-DE" dirty="0" smtClean="0"/>
+                        <a:t>5</a:t>
+                      </a:r>
+                      <a:endParaRPr lang="de-DE" dirty="0"/>
+                    </a:p>
+                  </a:txBody>
+                  <a:tcPr/>
+                </a:tc>
+                <a:tc>
+                  <a:txBody>
+                    <a:bodyPr/>
+                    <a:lstStyle/>
+                    <a:p>
+                      <a:r>
+                        <a:rPr lang="de-DE" dirty="0" smtClean="0"/>
+                        <a:t>5</a:t>
+                      </a:r>
+                      <a:endParaRPr lang="de-DE" dirty="0"/>
+                    </a:p>
+                  </a:txBody>
+                  <a:tcPr/>
+                </a:tc>
+              </a:tr>
+              <a:tr h="312570">
+                <a:tc>
+                  <a:txBody>
+                    <a:bodyPr/>
+                    <a:lstStyle/>
+                    <a:p>
+                      <a:r>
+                        <a:rPr lang="de-DE" dirty="0" smtClean="0"/>
+                        <a:t>Gesamtzahl</a:t>
+                      </a:r>
+                      <a:endParaRPr lang="de-DE" dirty="0"/>
+                    </a:p>
+                  </a:txBody>
+                  <a:tcPr/>
+                </a:tc>
+                <a:tc>
+                  <a:txBody>
+                    <a:bodyPr/>
+                    <a:lstStyle/>
+                    <a:p>
+                      <a:r>
+                        <a:rPr lang="de-DE" dirty="0" smtClean="0"/>
+                        <a:t>118</a:t>
+                      </a:r>
+                      <a:endParaRPr lang="de-DE" dirty="0"/>
+                    </a:p>
+                  </a:txBody>
+                  <a:tcPr/>
+                </a:tc>
+                <a:tc>
+                  <a:txBody>
+                    <a:bodyPr/>
+                    <a:lstStyle/>
+                    <a:p>
+                      <a:r>
+                        <a:rPr lang="de-DE" dirty="0" smtClean="0"/>
+                        <a:t>115</a:t>
+                      </a:r>
+                      <a:endParaRPr lang="de-DE" dirty="0"/>
+                    </a:p>
+                  </a:txBody>
+                  <a:tcPr/>
+                </a:tc>
+                <a:tc>
+                  <a:txBody>
+                    <a:bodyPr/>
+                    <a:lstStyle/>
+                    <a:p>
+                      <a:r>
+                        <a:rPr lang="de-DE" dirty="0" smtClean="0"/>
+                        <a:t>123</a:t>
+                      </a:r>
+                      <a:endParaRPr lang="de-DE" dirty="0"/>
+                    </a:p>
+                  </a:txBody>
+                  <a:tcPr/>
+                </a:tc>
+                <a:tc>
+                  <a:txBody>
+                    <a:bodyPr/>
+                    <a:lstStyle/>
+                    <a:p>
+                      <a:r>
+                        <a:rPr lang="de-DE" dirty="0" smtClean="0"/>
+                        <a:t>115</a:t>
+                      </a:r>
+                      <a:endParaRPr lang="de-DE" dirty="0"/>
+                    </a:p>
+                  </a:txBody>
+                  <a:tcPr/>
+                </a:tc>
+              </a:tr>
+            </a:tbl>
+          </a:graphicData>
+        </a:graphic>
+      </p:graphicFrame>
+    </p:spTree>
+    <p:extLst>
+      <p:ext uri="{BB962C8B-B14F-4D97-AF65-F5344CB8AC3E}">
+        <p14:creationId xmlns:p14="http://schemas.microsoft.com/office/powerpoint/2010/main" val="1594295164"/>
+      </p:ext>
+    </p:extLst>
+  </p:cSld>
+  <p:clrMapOvr>
+    <a:masterClrMapping/>
+  </p:clrMapOvr>
+  <p:timing>
+    <p:tnLst>
+      <p:par>
+        <p:cTn id="1" dur="indefinite" restart="never" nodeType="tmRoot"/>
+      </p:par>
+    </p:tnLst>
+  </p:timing>
+</p:sld>
+</file>
+
+<file path=ppt/slides/slide13.xml><?xml version="1.0" encoding="utf-8"?>
+<p:sld xmlns:a="http://schemas.openxmlformats.org/drawingml/2006/main" xmlns:r="http://schemas.openxmlformats.org/officeDocument/2006/relationships" xmlns:p="http://schemas.openxmlformats.org/presentationml/2006/main">
+  <p:cSld>
+    <p:spTree>
+      <p:nvGrpSpPr>
+        <p:cNvPr id="1" name=""/>
+        <p:cNvGrpSpPr/>
+        <p:nvPr/>
+      </p:nvGrpSpPr>
+      <p:grpSpPr>
+        <a:xfrm>
+          <a:off x="0" y="0"/>
+          <a:ext cx="0" cy="0"/>
+          <a:chOff x="0" y="0"/>
+          <a:chExt cx="0" cy="0"/>
+        </a:xfrm>
+      </p:grpSpPr>
+      <p:sp>
+        <p:nvSpPr>
+          <p:cNvPr id="2" name="Titel 1"/>
+          <p:cNvSpPr>
+            <a:spLocks noGrp="1"/>
+          </p:cNvSpPr>
+          <p:nvPr>
+            <p:ph type="ctrTitle"/>
+          </p:nvPr>
+        </p:nvSpPr>
+        <p:spPr>
+          <a:xfrm>
+            <a:off x="1954901" y="0"/>
+            <a:ext cx="8001000" cy="1238795"/>
+          </a:xfrm>
+        </p:spPr>
+        <p:txBody>
+          <a:bodyPr/>
+          <a:lstStyle/>
+          <a:p>
+            <a:pPr algn="ctr"/>
+            <a:r>
+              <a:rPr lang="de-DE" dirty="0" smtClean="0"/>
+              <a:t>Aufgabenverteilung</a:t>
+            </a:r>
+            <a:endParaRPr lang="de-DE" dirty="0"/>
+          </a:p>
+        </p:txBody>
+      </p:sp>
+      <p:pic>
+        <p:nvPicPr>
+          <p:cNvPr id="6" name="Grafik 5" descr="Bildschirmausschnitt"/>
+          <p:cNvPicPr>
+            <a:picLocks noChangeAspect="1"/>
+          </p:cNvPicPr>
+          <p:nvPr/>
+        </p:nvPicPr>
+        <p:blipFill>
+          <a:blip r:embed="rId2">
+            <a:extLst>
+              <a:ext uri="{28A0092B-C50C-407E-A947-70E740481C1C}">
+                <a14:useLocalDpi xmlns:a14="http://schemas.microsoft.com/office/drawing/2010/main" val="0"/>
+              </a:ext>
+            </a:extLst>
+          </a:blip>
+          <a:stretch>
+            <a:fillRect/>
+          </a:stretch>
+        </p:blipFill>
+        <p:spPr>
+          <a:xfrm>
+            <a:off x="696686" y="1513114"/>
+            <a:ext cx="10517430" cy="5105400"/>
+          </a:xfrm>
+          <a:prstGeom prst="rect">
+            <a:avLst/>
+          </a:prstGeom>
+        </p:spPr>
+      </p:pic>
+    </p:spTree>
+    <p:extLst>
+      <p:ext uri="{BB962C8B-B14F-4D97-AF65-F5344CB8AC3E}">
+        <p14:creationId xmlns:p14="http://schemas.microsoft.com/office/powerpoint/2010/main" val="1920817092"/>
+      </p:ext>
+    </p:extLst>
+  </p:cSld>
+  <p:clrMapOvr>
+    <a:masterClrMapping/>
+  </p:clrMapOvr>
+  <p:timing>
+    <p:tnLst>
+      <p:par>
+        <p:cTn id="1" dur="indefinite" restart="never" nodeType="tmRoot"/>
+      </p:par>
+    </p:tnLst>
+  </p:timing>
+</p:sld>
+</file>
+
+<file path=ppt/slides/slide14.xml><?xml version="1.0" encoding="utf-8"?>
+<p:sld xmlns:a="http://schemas.openxmlformats.org/drawingml/2006/main" xmlns:r="http://schemas.openxmlformats.org/officeDocument/2006/relationships" xmlns:p="http://schemas.openxmlformats.org/presentationml/2006/main">
+  <p:cSld>
+    <p:spTree>
+      <p:nvGrpSpPr>
+        <p:cNvPr id="1" name=""/>
+        <p:cNvGrpSpPr/>
+        <p:nvPr/>
+      </p:nvGrpSpPr>
+      <p:grpSpPr>
+        <a:xfrm>
+          <a:off x="0" y="0"/>
+          <a:ext cx="0" cy="0"/>
+          <a:chOff x="0" y="0"/>
+          <a:chExt cx="0" cy="0"/>
+        </a:xfrm>
+      </p:grpSpPr>
+      <p:sp>
+        <p:nvSpPr>
+          <p:cNvPr id="2" name="Titel 1"/>
+          <p:cNvSpPr>
+            <a:spLocks noGrp="1"/>
+          </p:cNvSpPr>
+          <p:nvPr>
+            <p:ph type="ctrTitle"/>
+          </p:nvPr>
+        </p:nvSpPr>
+        <p:spPr>
+          <a:xfrm>
+            <a:off x="1970904" y="261257"/>
+            <a:ext cx="8001000" cy="1238795"/>
+          </a:xfrm>
+        </p:spPr>
+        <p:txBody>
+          <a:bodyPr/>
+          <a:lstStyle/>
+          <a:p>
+            <a:pPr algn="ctr"/>
+            <a:endParaRPr lang="de-DE" dirty="0"/>
+          </a:p>
+        </p:txBody>
+      </p:sp>
+      <p:sp>
+        <p:nvSpPr>
+          <p:cNvPr id="3" name="Untertitel 2"/>
+          <p:cNvSpPr>
+            <a:spLocks noGrp="1"/>
+          </p:cNvSpPr>
+          <p:nvPr>
+            <p:ph type="subTitle" idx="1"/>
+          </p:nvPr>
+        </p:nvSpPr>
+        <p:spPr>
+          <a:xfrm>
+            <a:off x="881743" y="1736393"/>
+            <a:ext cx="9579428" cy="4577321"/>
+          </a:xfrm>
+        </p:spPr>
+        <p:txBody>
+          <a:bodyPr>
+            <a:normAutofit/>
+          </a:bodyPr>
+          <a:lstStyle/>
+          <a:p>
+            <a:endParaRPr lang="de-DE" sz="4000" dirty="0" smtClean="0"/>
+          </a:p>
+          <a:p>
+            <a:r>
+              <a:rPr lang="de-DE" sz="4000" dirty="0" smtClean="0"/>
+              <a:t>Vielen Dank für ihre </a:t>
+            </a:r>
+          </a:p>
+          <a:p>
+            <a:r>
+              <a:rPr lang="de-DE" sz="4000" dirty="0" smtClean="0"/>
+              <a:t>Aufmerksamkeit</a:t>
+            </a:r>
+            <a:endParaRPr lang="de-DE" sz="4000" dirty="0"/>
+          </a:p>
+        </p:txBody>
+      </p:sp>
+    </p:spTree>
+    <p:extLst>
+      <p:ext uri="{BB962C8B-B14F-4D97-AF65-F5344CB8AC3E}">
+        <p14:creationId xmlns:p14="http://schemas.microsoft.com/office/powerpoint/2010/main" val="2755132178"/>
+      </p:ext>
+    </p:extLst>
+  </p:cSld>
+  <p:clrMapOvr>
+    <a:masterClrMapping/>
+  </p:clrMapOvr>
+  <p:timing>
+    <p:tnLst>
+      <p:par>
+        <p:cTn id="1" dur="indefinite" restart="never" nodeType="tmRoot"/>
+      </p:par>
+    </p:tnLst>
+  </p:timing>
 </p:sld>
 </file>
 
@@ -5463,7 +7258,7 @@
         </p:nvSpPr>
         <p:spPr>
           <a:xfrm>
-            <a:off x="2983275" y="250371"/>
+            <a:off x="1970904" y="261257"/>
             <a:ext cx="8001000" cy="1238795"/>
           </a:xfrm>
         </p:spPr>
@@ -5471,6 +7266,7 @@
           <a:bodyPr/>
           <a:lstStyle/>
           <a:p>
+            <a:pPr algn="ctr"/>
             <a:r>
               <a:rPr lang="de-DE" dirty="0" smtClean="0"/>
               <a:t>Gliederung</a:t>
@@ -5506,10 +7302,58 @@
                 <a:blip r:embed="rId2"/>
               </a:buBlip>
             </a:pPr>
-            <a:r>
-              <a:rPr lang="de-DE" sz="4000" smtClean="0"/>
-              <a:t>Einblicke…</a:t>
-            </a:r>
+            <a:endParaRPr lang="de-DE" sz="3600" dirty="0" smtClean="0"/>
+          </a:p>
+          <a:p>
+            <a:pPr marL="342900" indent="-342900">
+              <a:buBlip>
+                <a:blip r:embed="rId2"/>
+              </a:buBlip>
+            </a:pPr>
+            <a:r>
+              <a:rPr lang="de-DE" sz="3600" dirty="0" smtClean="0"/>
+              <a:t>Demo</a:t>
+            </a:r>
+          </a:p>
+          <a:p>
+            <a:pPr marL="342900" indent="-342900">
+              <a:buBlip>
+                <a:blip r:embed="rId2"/>
+              </a:buBlip>
+            </a:pPr>
+            <a:r>
+              <a:rPr lang="de-DE" sz="3600" dirty="0" smtClean="0"/>
+              <a:t>Systemarchitektur</a:t>
+            </a:r>
+          </a:p>
+          <a:p>
+            <a:pPr marL="342900" indent="-342900">
+              <a:buBlip>
+                <a:blip r:embed="rId2"/>
+              </a:buBlip>
+            </a:pPr>
+            <a:r>
+              <a:rPr lang="de-DE" sz="3600" dirty="0" smtClean="0"/>
+              <a:t>Zeitplan vs. Realität</a:t>
+            </a:r>
+          </a:p>
+          <a:p>
+            <a:pPr marL="342900" indent="-342900">
+              <a:buBlip>
+                <a:blip r:embed="rId2"/>
+              </a:buBlip>
+            </a:pPr>
+            <a:r>
+              <a:rPr lang="de-DE" sz="3600" dirty="0" smtClean="0"/>
+              <a:t>Aufgabenverteilung</a:t>
+            </a:r>
+          </a:p>
+          <a:p>
+            <a:pPr marL="342900" indent="-342900">
+              <a:buBlip>
+                <a:blip r:embed="rId2"/>
+              </a:buBlip>
+            </a:pPr>
             <a:endParaRPr lang="de-DE" sz="4000" dirty="0"/>
           </a:p>
         </p:txBody>
@@ -5524,6 +7368,1161 @@
   <p:clrMapOvr>
     <a:masterClrMapping/>
   </p:clrMapOvr>
+  <p:timing>
+    <p:tnLst>
+      <p:par>
+        <p:cTn id="1" dur="indefinite" restart="never" nodeType="tmRoot"/>
+      </p:par>
+    </p:tnLst>
+  </p:timing>
+</p:sld>
+</file>
+
+<file path=ppt/slides/slide3.xml><?xml version="1.0" encoding="utf-8"?>
+<p:sld xmlns:a="http://schemas.openxmlformats.org/drawingml/2006/main" xmlns:r="http://schemas.openxmlformats.org/officeDocument/2006/relationships" xmlns:p="http://schemas.openxmlformats.org/presentationml/2006/main">
+  <p:cSld>
+    <p:spTree>
+      <p:nvGrpSpPr>
+        <p:cNvPr id="1" name=""/>
+        <p:cNvGrpSpPr/>
+        <p:nvPr/>
+      </p:nvGrpSpPr>
+      <p:grpSpPr>
+        <a:xfrm>
+          <a:off x="0" y="0"/>
+          <a:ext cx="0" cy="0"/>
+          <a:chOff x="0" y="0"/>
+          <a:chExt cx="0" cy="0"/>
+        </a:xfrm>
+      </p:grpSpPr>
+      <p:sp>
+        <p:nvSpPr>
+          <p:cNvPr id="2" name="Titel 1"/>
+          <p:cNvSpPr>
+            <a:spLocks noGrp="1"/>
+          </p:cNvSpPr>
+          <p:nvPr>
+            <p:ph type="ctrTitle"/>
+          </p:nvPr>
+        </p:nvSpPr>
+        <p:spPr>
+          <a:xfrm>
+            <a:off x="1851161" y="239485"/>
+            <a:ext cx="8001000" cy="1238795"/>
+          </a:xfrm>
+        </p:spPr>
+        <p:txBody>
+          <a:bodyPr/>
+          <a:lstStyle/>
+          <a:p>
+            <a:pPr algn="ctr"/>
+            <a:r>
+              <a:rPr lang="de-DE" dirty="0" smtClean="0"/>
+              <a:t>Demo</a:t>
+            </a:r>
+            <a:endParaRPr lang="de-DE" dirty="0"/>
+          </a:p>
+        </p:txBody>
+      </p:sp>
+      <p:sp>
+        <p:nvSpPr>
+          <p:cNvPr id="3" name="Untertitel 2"/>
+          <p:cNvSpPr>
+            <a:spLocks noGrp="1"/>
+          </p:cNvSpPr>
+          <p:nvPr>
+            <p:ph type="subTitle" idx="1"/>
+          </p:nvPr>
+        </p:nvSpPr>
+        <p:spPr>
+          <a:xfrm>
+            <a:off x="1015138" y="1736393"/>
+            <a:ext cx="6909662" cy="4577321"/>
+          </a:xfrm>
+        </p:spPr>
+        <p:txBody>
+          <a:bodyPr>
+            <a:normAutofit/>
+          </a:bodyPr>
+          <a:lstStyle/>
+          <a:p>
+            <a:pPr marL="342900" indent="-342900">
+              <a:buBlip>
+                <a:blip r:embed="rId2"/>
+              </a:buBlip>
+            </a:pPr>
+            <a:endParaRPr lang="de-DE" sz="4000" dirty="0"/>
+          </a:p>
+        </p:txBody>
+      </p:sp>
+    </p:spTree>
+    <p:extLst>
+      <p:ext uri="{BB962C8B-B14F-4D97-AF65-F5344CB8AC3E}">
+        <p14:creationId xmlns:p14="http://schemas.microsoft.com/office/powerpoint/2010/main" val="3858959787"/>
+      </p:ext>
+    </p:extLst>
+  </p:cSld>
+  <p:clrMapOvr>
+    <a:masterClrMapping/>
+  </p:clrMapOvr>
+  <p:timing>
+    <p:tnLst>
+      <p:par>
+        <p:cTn id="1" dur="indefinite" restart="never" nodeType="tmRoot"/>
+      </p:par>
+    </p:tnLst>
+  </p:timing>
+</p:sld>
+</file>
+
+<file path=ppt/slides/slide4.xml><?xml version="1.0" encoding="utf-8"?>
+<p:sld xmlns:a="http://schemas.openxmlformats.org/drawingml/2006/main" xmlns:r="http://schemas.openxmlformats.org/officeDocument/2006/relationships" xmlns:p="http://schemas.openxmlformats.org/presentationml/2006/main">
+  <p:cSld>
+    <p:spTree>
+      <p:nvGrpSpPr>
+        <p:cNvPr id="1" name=""/>
+        <p:cNvGrpSpPr/>
+        <p:nvPr/>
+      </p:nvGrpSpPr>
+      <p:grpSpPr>
+        <a:xfrm>
+          <a:off x="0" y="0"/>
+          <a:ext cx="0" cy="0"/>
+          <a:chOff x="0" y="0"/>
+          <a:chExt cx="0" cy="0"/>
+        </a:xfrm>
+      </p:grpSpPr>
+      <p:sp>
+        <p:nvSpPr>
+          <p:cNvPr id="2" name="Titel 1"/>
+          <p:cNvSpPr>
+            <a:spLocks noGrp="1"/>
+          </p:cNvSpPr>
+          <p:nvPr>
+            <p:ph type="ctrTitle"/>
+          </p:nvPr>
+        </p:nvSpPr>
+        <p:spPr>
+          <a:xfrm>
+            <a:off x="2030187" y="250370"/>
+            <a:ext cx="8001000" cy="933995"/>
+          </a:xfrm>
+        </p:spPr>
+        <p:txBody>
+          <a:bodyPr/>
+          <a:lstStyle/>
+          <a:p>
+            <a:pPr algn="ctr"/>
+            <a:r>
+              <a:rPr lang="de-DE" dirty="0" smtClean="0"/>
+              <a:t>Systemarchitektur</a:t>
+            </a:r>
+            <a:endParaRPr lang="de-DE" dirty="0"/>
+          </a:p>
+        </p:txBody>
+      </p:sp>
+      <p:sp>
+        <p:nvSpPr>
+          <p:cNvPr id="3" name="Untertitel 2"/>
+          <p:cNvSpPr>
+            <a:spLocks noGrp="1"/>
+          </p:cNvSpPr>
+          <p:nvPr>
+            <p:ph type="subTitle" idx="1"/>
+          </p:nvPr>
+        </p:nvSpPr>
+        <p:spPr>
+          <a:xfrm>
+            <a:off x="2630286" y="5769429"/>
+            <a:ext cx="6909662" cy="838200"/>
+          </a:xfrm>
+        </p:spPr>
+        <p:txBody>
+          <a:bodyPr>
+            <a:normAutofit fontScale="92500"/>
+          </a:bodyPr>
+          <a:lstStyle/>
+          <a:p>
+            <a:r>
+              <a:rPr lang="de-DE" sz="4000" dirty="0" smtClean="0"/>
+              <a:t>Menü nach Starten des Spiels</a:t>
+            </a:r>
+            <a:endParaRPr lang="de-DE" sz="4000" dirty="0"/>
+          </a:p>
+        </p:txBody>
+      </p:sp>
+      <p:sp>
+        <p:nvSpPr>
+          <p:cNvPr id="6" name="Textfeld 5"/>
+          <p:cNvSpPr txBox="1"/>
+          <p:nvPr/>
+        </p:nvSpPr>
+        <p:spPr>
+          <a:xfrm>
+            <a:off x="2563586" y="5094905"/>
+            <a:ext cx="979714" cy="369332"/>
+          </a:xfrm>
+          <a:prstGeom prst="rect">
+            <a:avLst/>
+          </a:prstGeom>
+          <a:noFill/>
+        </p:spPr>
+        <p:txBody>
+          <a:bodyPr wrap="square" rtlCol="0">
+            <a:spAutoFit/>
+          </a:bodyPr>
+          <a:lstStyle/>
+          <a:p>
+            <a:r>
+              <a:rPr lang="de-DE" dirty="0" smtClean="0"/>
+              <a:t>vorher</a:t>
+            </a:r>
+            <a:endParaRPr lang="de-DE" dirty="0"/>
+          </a:p>
+        </p:txBody>
+      </p:sp>
+      <p:sp>
+        <p:nvSpPr>
+          <p:cNvPr id="7" name="Textfeld 6"/>
+          <p:cNvSpPr txBox="1"/>
+          <p:nvPr/>
+        </p:nvSpPr>
+        <p:spPr>
+          <a:xfrm>
+            <a:off x="8507186" y="5094905"/>
+            <a:ext cx="1251857" cy="369332"/>
+          </a:xfrm>
+          <a:prstGeom prst="rect">
+            <a:avLst/>
+          </a:prstGeom>
+          <a:noFill/>
+        </p:spPr>
+        <p:txBody>
+          <a:bodyPr wrap="square" rtlCol="0">
+            <a:spAutoFit/>
+          </a:bodyPr>
+          <a:lstStyle/>
+          <a:p>
+            <a:r>
+              <a:rPr lang="de-DE" dirty="0" smtClean="0"/>
+              <a:t>nachher</a:t>
+            </a:r>
+            <a:endParaRPr lang="de-DE" dirty="0"/>
+          </a:p>
+        </p:txBody>
+      </p:sp>
+      <p:pic>
+        <p:nvPicPr>
+          <p:cNvPr id="2050" name="Picture 2"/>
+          <p:cNvPicPr>
+            <a:picLocks noChangeAspect="1" noChangeArrowheads="1"/>
+          </p:cNvPicPr>
+          <p:nvPr/>
+        </p:nvPicPr>
+        <p:blipFill>
+          <a:blip r:embed="rId2">
+            <a:extLst>
+              <a:ext uri="{28A0092B-C50C-407E-A947-70E740481C1C}">
+                <a14:useLocalDpi xmlns:a14="http://schemas.microsoft.com/office/drawing/2010/main" val="0"/>
+              </a:ext>
+            </a:extLst>
+          </a:blip>
+          <a:srcRect/>
+          <a:stretch>
+            <a:fillRect/>
+          </a:stretch>
+        </p:blipFill>
+        <p:spPr bwMode="auto">
+          <a:xfrm>
+            <a:off x="6273550" y="1614489"/>
+            <a:ext cx="5719131" cy="3349399"/>
+          </a:xfrm>
+          <a:prstGeom prst="rect">
+            <a:avLst/>
+          </a:prstGeom>
+          <a:noFill/>
+          <a:ln>
+            <a:noFill/>
+          </a:ln>
+          <a:extLst>
+            <a:ext uri="{909E8E84-426E-40DD-AFC4-6F175D3DCCD1}">
+              <a14:hiddenFill xmlns:a14="http://schemas.microsoft.com/office/drawing/2010/main">
+                <a:solidFill>
+                  <a:schemeClr val="accent1"/>
+                </a:solidFill>
+              </a14:hiddenFill>
+            </a:ext>
+            <a:ext uri="{91240B29-F687-4F45-9708-019B960494DF}">
+              <a14:hiddenLine xmlns:a14="http://schemas.microsoft.com/office/drawing/2010/main" w="9525">
+                <a:solidFill>
+                  <a:schemeClr val="tx1"/>
+                </a:solidFill>
+                <a:miter lim="800000"/>
+                <a:headEnd/>
+                <a:tailEnd/>
+              </a14:hiddenLine>
+            </a:ext>
+          </a:extLst>
+        </p:spPr>
+      </p:pic>
+      <p:pic>
+        <p:nvPicPr>
+          <p:cNvPr id="2051" name="Picture 3"/>
+          <p:cNvPicPr>
+            <a:picLocks noChangeAspect="1" noChangeArrowheads="1"/>
+          </p:cNvPicPr>
+          <p:nvPr/>
+        </p:nvPicPr>
+        <p:blipFill>
+          <a:blip r:embed="rId3">
+            <a:extLst>
+              <a:ext uri="{28A0092B-C50C-407E-A947-70E740481C1C}">
+                <a14:useLocalDpi xmlns:a14="http://schemas.microsoft.com/office/drawing/2010/main" val="0"/>
+              </a:ext>
+            </a:extLst>
+          </a:blip>
+          <a:srcRect/>
+          <a:stretch>
+            <a:fillRect/>
+          </a:stretch>
+        </p:blipFill>
+        <p:spPr bwMode="auto">
+          <a:xfrm>
+            <a:off x="179615" y="1614489"/>
+            <a:ext cx="5747657" cy="3342890"/>
+          </a:xfrm>
+          <a:prstGeom prst="rect">
+            <a:avLst/>
+          </a:prstGeom>
+          <a:noFill/>
+          <a:ln>
+            <a:noFill/>
+          </a:ln>
+          <a:extLst>
+            <a:ext uri="{909E8E84-426E-40DD-AFC4-6F175D3DCCD1}">
+              <a14:hiddenFill xmlns:a14="http://schemas.microsoft.com/office/drawing/2010/main">
+                <a:solidFill>
+                  <a:schemeClr val="accent1"/>
+                </a:solidFill>
+              </a14:hiddenFill>
+            </a:ext>
+            <a:ext uri="{91240B29-F687-4F45-9708-019B960494DF}">
+              <a14:hiddenLine xmlns:a14="http://schemas.microsoft.com/office/drawing/2010/main" w="9525">
+                <a:solidFill>
+                  <a:schemeClr val="tx1"/>
+                </a:solidFill>
+                <a:miter lim="800000"/>
+                <a:headEnd/>
+                <a:tailEnd/>
+              </a14:hiddenLine>
+            </a:ext>
+          </a:extLst>
+        </p:spPr>
+      </p:pic>
+    </p:spTree>
+    <p:extLst>
+      <p:ext uri="{BB962C8B-B14F-4D97-AF65-F5344CB8AC3E}">
+        <p14:creationId xmlns:p14="http://schemas.microsoft.com/office/powerpoint/2010/main" val="1796448666"/>
+      </p:ext>
+    </p:extLst>
+  </p:cSld>
+  <p:clrMapOvr>
+    <a:masterClrMapping/>
+  </p:clrMapOvr>
+  <p:timing>
+    <p:tnLst>
+      <p:par>
+        <p:cTn id="1" dur="indefinite" restart="never" nodeType="tmRoot"/>
+      </p:par>
+    </p:tnLst>
+  </p:timing>
+</p:sld>
+</file>
+
+<file path=ppt/slides/slide5.xml><?xml version="1.0" encoding="utf-8"?>
+<p:sld xmlns:a="http://schemas.openxmlformats.org/drawingml/2006/main" xmlns:r="http://schemas.openxmlformats.org/officeDocument/2006/relationships" xmlns:p="http://schemas.openxmlformats.org/presentationml/2006/main">
+  <p:cSld>
+    <p:spTree>
+      <p:nvGrpSpPr>
+        <p:cNvPr id="1" name=""/>
+        <p:cNvGrpSpPr/>
+        <p:nvPr/>
+      </p:nvGrpSpPr>
+      <p:grpSpPr>
+        <a:xfrm>
+          <a:off x="0" y="0"/>
+          <a:ext cx="0" cy="0"/>
+          <a:chOff x="0" y="0"/>
+          <a:chExt cx="0" cy="0"/>
+        </a:xfrm>
+      </p:grpSpPr>
+      <p:sp>
+        <p:nvSpPr>
+          <p:cNvPr id="2" name="Titel 1"/>
+          <p:cNvSpPr>
+            <a:spLocks noGrp="1"/>
+          </p:cNvSpPr>
+          <p:nvPr>
+            <p:ph type="ctrTitle"/>
+          </p:nvPr>
+        </p:nvSpPr>
+        <p:spPr>
+          <a:xfrm>
+            <a:off x="2030187" y="250370"/>
+            <a:ext cx="8001000" cy="933995"/>
+          </a:xfrm>
+        </p:spPr>
+        <p:txBody>
+          <a:bodyPr/>
+          <a:lstStyle/>
+          <a:p>
+            <a:pPr algn="ctr"/>
+            <a:endParaRPr lang="de-DE" dirty="0"/>
+          </a:p>
+        </p:txBody>
+      </p:sp>
+      <p:sp>
+        <p:nvSpPr>
+          <p:cNvPr id="3" name="Untertitel 2"/>
+          <p:cNvSpPr>
+            <a:spLocks noGrp="1"/>
+          </p:cNvSpPr>
+          <p:nvPr>
+            <p:ph type="subTitle" idx="1"/>
+          </p:nvPr>
+        </p:nvSpPr>
+        <p:spPr>
+          <a:xfrm>
+            <a:off x="2630286" y="5769429"/>
+            <a:ext cx="6909662" cy="838200"/>
+          </a:xfrm>
+        </p:spPr>
+        <p:txBody>
+          <a:bodyPr>
+            <a:normAutofit fontScale="55000" lnSpcReduction="20000"/>
+          </a:bodyPr>
+          <a:lstStyle/>
+          <a:p>
+            <a:pPr algn="ctr"/>
+            <a:r>
+              <a:rPr lang="de-DE" sz="4000" dirty="0" smtClean="0"/>
+              <a:t>Einstellungen </a:t>
+            </a:r>
+            <a:r>
+              <a:rPr lang="de-DE" sz="4000" dirty="0" smtClean="0"/>
+              <a:t>nach Klick auf „Start“</a:t>
+            </a:r>
+          </a:p>
+          <a:p>
+            <a:pPr algn="ctr"/>
+            <a:r>
+              <a:rPr lang="de-DE" sz="4000" dirty="0" smtClean="0"/>
+              <a:t>Wahl der Zeit und des Fliegers</a:t>
+            </a:r>
+            <a:endParaRPr lang="de-DE" sz="4000" dirty="0" smtClean="0"/>
+          </a:p>
+        </p:txBody>
+      </p:sp>
+      <p:pic>
+        <p:nvPicPr>
+          <p:cNvPr id="3074" name="Picture 2"/>
+          <p:cNvPicPr>
+            <a:picLocks noChangeAspect="1" noChangeArrowheads="1"/>
+          </p:cNvPicPr>
+          <p:nvPr/>
+        </p:nvPicPr>
+        <p:blipFill>
+          <a:blip r:embed="rId2">
+            <a:extLst>
+              <a:ext uri="{28A0092B-C50C-407E-A947-70E740481C1C}">
+                <a14:useLocalDpi xmlns:a14="http://schemas.microsoft.com/office/drawing/2010/main" val="0"/>
+              </a:ext>
+            </a:extLst>
+          </a:blip>
+          <a:srcRect/>
+          <a:stretch>
+            <a:fillRect/>
+          </a:stretch>
+        </p:blipFill>
+        <p:spPr bwMode="auto">
+          <a:xfrm>
+            <a:off x="1396823" y="141515"/>
+            <a:ext cx="9405255" cy="5508170"/>
+          </a:xfrm>
+          <a:prstGeom prst="rect">
+            <a:avLst/>
+          </a:prstGeom>
+          <a:noFill/>
+          <a:ln>
+            <a:noFill/>
+          </a:ln>
+          <a:extLst>
+            <a:ext uri="{909E8E84-426E-40DD-AFC4-6F175D3DCCD1}">
+              <a14:hiddenFill xmlns:a14="http://schemas.microsoft.com/office/drawing/2010/main">
+                <a:solidFill>
+                  <a:schemeClr val="accent1"/>
+                </a:solidFill>
+              </a14:hiddenFill>
+            </a:ext>
+            <a:ext uri="{91240B29-F687-4F45-9708-019B960494DF}">
+              <a14:hiddenLine xmlns:a14="http://schemas.microsoft.com/office/drawing/2010/main" w="9525">
+                <a:solidFill>
+                  <a:schemeClr val="tx1"/>
+                </a:solidFill>
+                <a:miter lim="800000"/>
+                <a:headEnd/>
+                <a:tailEnd/>
+              </a14:hiddenLine>
+            </a:ext>
+          </a:extLst>
+        </p:spPr>
+      </p:pic>
+    </p:spTree>
+    <p:extLst>
+      <p:ext uri="{BB962C8B-B14F-4D97-AF65-F5344CB8AC3E}">
+        <p14:creationId xmlns:p14="http://schemas.microsoft.com/office/powerpoint/2010/main" val="883513342"/>
+      </p:ext>
+    </p:extLst>
+  </p:cSld>
+  <p:clrMapOvr>
+    <a:masterClrMapping/>
+  </p:clrMapOvr>
+  <p:timing>
+    <p:tnLst>
+      <p:par>
+        <p:cTn id="1" dur="indefinite" restart="never" nodeType="tmRoot"/>
+      </p:par>
+    </p:tnLst>
+  </p:timing>
+</p:sld>
+</file>
+
+<file path=ppt/slides/slide6.xml><?xml version="1.0" encoding="utf-8"?>
+<p:sld xmlns:a="http://schemas.openxmlformats.org/drawingml/2006/main" xmlns:r="http://schemas.openxmlformats.org/officeDocument/2006/relationships" xmlns:p="http://schemas.openxmlformats.org/presentationml/2006/main">
+  <p:cSld>
+    <p:spTree>
+      <p:nvGrpSpPr>
+        <p:cNvPr id="1" name=""/>
+        <p:cNvGrpSpPr/>
+        <p:nvPr/>
+      </p:nvGrpSpPr>
+      <p:grpSpPr>
+        <a:xfrm>
+          <a:off x="0" y="0"/>
+          <a:ext cx="0" cy="0"/>
+          <a:chOff x="0" y="0"/>
+          <a:chExt cx="0" cy="0"/>
+        </a:xfrm>
+      </p:grpSpPr>
+      <p:sp>
+        <p:nvSpPr>
+          <p:cNvPr id="2" name="Titel 1"/>
+          <p:cNvSpPr>
+            <a:spLocks noGrp="1"/>
+          </p:cNvSpPr>
+          <p:nvPr>
+            <p:ph type="ctrTitle"/>
+          </p:nvPr>
+        </p:nvSpPr>
+        <p:spPr>
+          <a:xfrm>
+            <a:off x="2030187" y="250370"/>
+            <a:ext cx="8001000" cy="933995"/>
+          </a:xfrm>
+        </p:spPr>
+        <p:txBody>
+          <a:bodyPr/>
+          <a:lstStyle/>
+          <a:p>
+            <a:pPr algn="ctr"/>
+            <a:endParaRPr lang="de-DE" dirty="0"/>
+          </a:p>
+        </p:txBody>
+      </p:sp>
+      <p:sp>
+        <p:nvSpPr>
+          <p:cNvPr id="3" name="Untertitel 2"/>
+          <p:cNvSpPr>
+            <a:spLocks noGrp="1"/>
+          </p:cNvSpPr>
+          <p:nvPr>
+            <p:ph type="subTitle" idx="1"/>
+          </p:nvPr>
+        </p:nvSpPr>
+        <p:spPr>
+          <a:xfrm>
+            <a:off x="2630286" y="5769429"/>
+            <a:ext cx="6909662" cy="838200"/>
+          </a:xfrm>
+        </p:spPr>
+        <p:txBody>
+          <a:bodyPr>
+            <a:normAutofit fontScale="55000" lnSpcReduction="20000"/>
+          </a:bodyPr>
+          <a:lstStyle/>
+          <a:p>
+            <a:pPr algn="ctr"/>
+            <a:r>
+              <a:rPr lang="de-DE" sz="4000" dirty="0" smtClean="0"/>
+              <a:t>Ansicht des Spiels nach Klick auf Play</a:t>
+            </a:r>
+          </a:p>
+          <a:p>
+            <a:pPr algn="ctr"/>
+            <a:r>
+              <a:rPr lang="de-DE" sz="4000" dirty="0" smtClean="0"/>
+              <a:t>Raum mit Flugzeug, Objekten und Zielscheiben</a:t>
+            </a:r>
+          </a:p>
+        </p:txBody>
+      </p:sp>
+      <p:sp>
+        <p:nvSpPr>
+          <p:cNvPr id="6" name="Textfeld 5"/>
+          <p:cNvSpPr txBox="1"/>
+          <p:nvPr/>
+        </p:nvSpPr>
+        <p:spPr>
+          <a:xfrm>
+            <a:off x="2563587" y="5138447"/>
+            <a:ext cx="979714" cy="369332"/>
+          </a:xfrm>
+          <a:prstGeom prst="rect">
+            <a:avLst/>
+          </a:prstGeom>
+          <a:noFill/>
+        </p:spPr>
+        <p:txBody>
+          <a:bodyPr wrap="square" rtlCol="0">
+            <a:spAutoFit/>
+          </a:bodyPr>
+          <a:lstStyle/>
+          <a:p>
+            <a:r>
+              <a:rPr lang="de-DE" dirty="0" smtClean="0"/>
+              <a:t>vorher</a:t>
+            </a:r>
+            <a:endParaRPr lang="de-DE" dirty="0"/>
+          </a:p>
+        </p:txBody>
+      </p:sp>
+      <p:sp>
+        <p:nvSpPr>
+          <p:cNvPr id="7" name="Textfeld 6"/>
+          <p:cNvSpPr txBox="1"/>
+          <p:nvPr/>
+        </p:nvSpPr>
+        <p:spPr>
+          <a:xfrm>
+            <a:off x="8507188" y="5138447"/>
+            <a:ext cx="1251857" cy="369332"/>
+          </a:xfrm>
+          <a:prstGeom prst="rect">
+            <a:avLst/>
+          </a:prstGeom>
+          <a:noFill/>
+        </p:spPr>
+        <p:txBody>
+          <a:bodyPr wrap="square" rtlCol="0">
+            <a:spAutoFit/>
+          </a:bodyPr>
+          <a:lstStyle/>
+          <a:p>
+            <a:r>
+              <a:rPr lang="de-DE" dirty="0" smtClean="0"/>
+              <a:t>nachher</a:t>
+            </a:r>
+            <a:endParaRPr lang="de-DE" dirty="0"/>
+          </a:p>
+        </p:txBody>
+      </p:sp>
+      <p:pic>
+        <p:nvPicPr>
+          <p:cNvPr id="4098" name="Picture 2"/>
+          <p:cNvPicPr>
+            <a:picLocks noChangeAspect="1" noChangeArrowheads="1"/>
+          </p:cNvPicPr>
+          <p:nvPr/>
+        </p:nvPicPr>
+        <p:blipFill>
+          <a:blip r:embed="rId2">
+            <a:extLst>
+              <a:ext uri="{28A0092B-C50C-407E-A947-70E740481C1C}">
+                <a14:useLocalDpi xmlns:a14="http://schemas.microsoft.com/office/drawing/2010/main" val="0"/>
+              </a:ext>
+            </a:extLst>
+          </a:blip>
+          <a:srcRect/>
+          <a:stretch>
+            <a:fillRect/>
+          </a:stretch>
+        </p:blipFill>
+        <p:spPr bwMode="auto">
+          <a:xfrm>
+            <a:off x="193222" y="1623673"/>
+            <a:ext cx="5720443" cy="3327062"/>
+          </a:xfrm>
+          <a:prstGeom prst="rect">
+            <a:avLst/>
+          </a:prstGeom>
+          <a:noFill/>
+          <a:ln>
+            <a:noFill/>
+          </a:ln>
+          <a:extLst>
+            <a:ext uri="{909E8E84-426E-40DD-AFC4-6F175D3DCCD1}">
+              <a14:hiddenFill xmlns:a14="http://schemas.microsoft.com/office/drawing/2010/main">
+                <a:solidFill>
+                  <a:schemeClr val="accent1"/>
+                </a:solidFill>
+              </a14:hiddenFill>
+            </a:ext>
+            <a:ext uri="{91240B29-F687-4F45-9708-019B960494DF}">
+              <a14:hiddenLine xmlns:a14="http://schemas.microsoft.com/office/drawing/2010/main" w="9525">
+                <a:solidFill>
+                  <a:schemeClr val="tx1"/>
+                </a:solidFill>
+                <a:miter lim="800000"/>
+                <a:headEnd/>
+                <a:tailEnd/>
+              </a14:hiddenLine>
+            </a:ext>
+          </a:extLst>
+        </p:spPr>
+      </p:pic>
+    </p:spTree>
+    <p:extLst>
+      <p:ext uri="{BB962C8B-B14F-4D97-AF65-F5344CB8AC3E}">
+        <p14:creationId xmlns:p14="http://schemas.microsoft.com/office/powerpoint/2010/main" val="1016664138"/>
+      </p:ext>
+    </p:extLst>
+  </p:cSld>
+  <p:clrMapOvr>
+    <a:masterClrMapping/>
+  </p:clrMapOvr>
+  <p:timing>
+    <p:tnLst>
+      <p:par>
+        <p:cTn id="1" dur="indefinite" restart="never" nodeType="tmRoot"/>
+      </p:par>
+    </p:tnLst>
+  </p:timing>
+</p:sld>
+</file>
+
+<file path=ppt/slides/slide7.xml><?xml version="1.0" encoding="utf-8"?>
+<p:sld xmlns:a="http://schemas.openxmlformats.org/drawingml/2006/main" xmlns:r="http://schemas.openxmlformats.org/officeDocument/2006/relationships" xmlns:p="http://schemas.openxmlformats.org/presentationml/2006/main">
+  <p:cSld>
+    <p:spTree>
+      <p:nvGrpSpPr>
+        <p:cNvPr id="1" name=""/>
+        <p:cNvGrpSpPr/>
+        <p:nvPr/>
+      </p:nvGrpSpPr>
+      <p:grpSpPr>
+        <a:xfrm>
+          <a:off x="0" y="0"/>
+          <a:ext cx="0" cy="0"/>
+          <a:chOff x="0" y="0"/>
+          <a:chExt cx="0" cy="0"/>
+        </a:xfrm>
+      </p:grpSpPr>
+      <p:sp>
+        <p:nvSpPr>
+          <p:cNvPr id="2" name="Titel 1"/>
+          <p:cNvSpPr>
+            <a:spLocks noGrp="1"/>
+          </p:cNvSpPr>
+          <p:nvPr>
+            <p:ph type="ctrTitle"/>
+          </p:nvPr>
+        </p:nvSpPr>
+        <p:spPr>
+          <a:xfrm>
+            <a:off x="2030187" y="250370"/>
+            <a:ext cx="8001000" cy="933995"/>
+          </a:xfrm>
+        </p:spPr>
+        <p:txBody>
+          <a:bodyPr/>
+          <a:lstStyle/>
+          <a:p>
+            <a:pPr algn="ctr"/>
+            <a:endParaRPr lang="de-DE" dirty="0"/>
+          </a:p>
+        </p:txBody>
+      </p:sp>
+      <p:sp>
+        <p:nvSpPr>
+          <p:cNvPr id="3" name="Untertitel 2"/>
+          <p:cNvSpPr>
+            <a:spLocks noGrp="1"/>
+          </p:cNvSpPr>
+          <p:nvPr>
+            <p:ph type="subTitle" idx="1"/>
+          </p:nvPr>
+        </p:nvSpPr>
+        <p:spPr>
+          <a:xfrm>
+            <a:off x="2630286" y="5769429"/>
+            <a:ext cx="6909662" cy="838200"/>
+          </a:xfrm>
+        </p:spPr>
+        <p:txBody>
+          <a:bodyPr>
+            <a:normAutofit fontScale="32500" lnSpcReduction="20000"/>
+          </a:bodyPr>
+          <a:lstStyle/>
+          <a:p>
+            <a:pPr algn="ctr"/>
+            <a:r>
+              <a:rPr lang="de-DE" sz="4000" dirty="0"/>
+              <a:t>Zielscheibe verschwindet nach Treffer durch einen </a:t>
+            </a:r>
+            <a:r>
+              <a:rPr lang="de-DE" sz="4000" dirty="0" smtClean="0"/>
+              <a:t>Schuss und erhöht den Highscore</a:t>
+            </a:r>
+            <a:endParaRPr lang="de-DE" sz="4000" dirty="0"/>
+          </a:p>
+          <a:p>
+            <a:pPr algn="ctr"/>
+            <a:r>
+              <a:rPr lang="de-DE" sz="4000" dirty="0"/>
+              <a:t>Scheibenzähler (oben links) verringert sich pro </a:t>
+            </a:r>
+            <a:r>
+              <a:rPr lang="de-DE" sz="4000" dirty="0" smtClean="0"/>
+              <a:t>Treffer</a:t>
+            </a:r>
+          </a:p>
+          <a:p>
+            <a:pPr algn="ctr"/>
+            <a:r>
+              <a:rPr lang="de-DE" sz="4000" dirty="0" smtClean="0"/>
+              <a:t>Countdown </a:t>
+            </a:r>
+            <a:r>
+              <a:rPr lang="de-DE" sz="4000" dirty="0"/>
+              <a:t>(oben </a:t>
+            </a:r>
+            <a:r>
+              <a:rPr lang="de-DE" sz="4000" dirty="0" smtClean="0"/>
+              <a:t>links) </a:t>
+            </a:r>
+            <a:r>
+              <a:rPr lang="de-DE" sz="4000" dirty="0"/>
+              <a:t>läuft </a:t>
+            </a:r>
+            <a:r>
+              <a:rPr lang="de-DE" sz="4000" dirty="0" smtClean="0"/>
+              <a:t>ab</a:t>
+            </a:r>
+          </a:p>
+        </p:txBody>
+      </p:sp>
+    </p:spTree>
+    <p:extLst>
+      <p:ext uri="{BB962C8B-B14F-4D97-AF65-F5344CB8AC3E}">
+        <p14:creationId xmlns:p14="http://schemas.microsoft.com/office/powerpoint/2010/main" val="907219893"/>
+      </p:ext>
+    </p:extLst>
+  </p:cSld>
+  <p:clrMapOvr>
+    <a:masterClrMapping/>
+  </p:clrMapOvr>
+  <p:timing>
+    <p:tnLst>
+      <p:par>
+        <p:cTn id="1" dur="indefinite" restart="never" nodeType="tmRoot"/>
+      </p:par>
+    </p:tnLst>
+  </p:timing>
+</p:sld>
+</file>
+
+<file path=ppt/slides/slide8.xml><?xml version="1.0" encoding="utf-8"?>
+<p:sld xmlns:a="http://schemas.openxmlformats.org/drawingml/2006/main" xmlns:r="http://schemas.openxmlformats.org/officeDocument/2006/relationships" xmlns:p="http://schemas.openxmlformats.org/presentationml/2006/main">
+  <p:cSld>
+    <p:spTree>
+      <p:nvGrpSpPr>
+        <p:cNvPr id="1" name=""/>
+        <p:cNvGrpSpPr/>
+        <p:nvPr/>
+      </p:nvGrpSpPr>
+      <p:grpSpPr>
+        <a:xfrm>
+          <a:off x="0" y="0"/>
+          <a:ext cx="0" cy="0"/>
+          <a:chOff x="0" y="0"/>
+          <a:chExt cx="0" cy="0"/>
+        </a:xfrm>
+      </p:grpSpPr>
+      <p:sp>
+        <p:nvSpPr>
+          <p:cNvPr id="2" name="Titel 1"/>
+          <p:cNvSpPr>
+            <a:spLocks noGrp="1"/>
+          </p:cNvSpPr>
+          <p:nvPr>
+            <p:ph type="ctrTitle"/>
+          </p:nvPr>
+        </p:nvSpPr>
+        <p:spPr>
+          <a:xfrm>
+            <a:off x="2030187" y="250370"/>
+            <a:ext cx="8001000" cy="933995"/>
+          </a:xfrm>
+        </p:spPr>
+        <p:txBody>
+          <a:bodyPr/>
+          <a:lstStyle/>
+          <a:p>
+            <a:pPr algn="ctr"/>
+            <a:endParaRPr lang="de-DE" dirty="0"/>
+          </a:p>
+        </p:txBody>
+      </p:sp>
+      <p:sp>
+        <p:nvSpPr>
+          <p:cNvPr id="3" name="Untertitel 2"/>
+          <p:cNvSpPr>
+            <a:spLocks noGrp="1"/>
+          </p:cNvSpPr>
+          <p:nvPr>
+            <p:ph type="subTitle" idx="1"/>
+          </p:nvPr>
+        </p:nvSpPr>
+        <p:spPr>
+          <a:xfrm>
+            <a:off x="2630286" y="5769429"/>
+            <a:ext cx="6909662" cy="838200"/>
+          </a:xfrm>
+        </p:spPr>
+        <p:txBody>
+          <a:bodyPr>
+            <a:normAutofit fontScale="25000" lnSpcReduction="20000"/>
+          </a:bodyPr>
+          <a:lstStyle/>
+          <a:p>
+            <a:pPr algn="ctr"/>
+            <a:r>
+              <a:rPr lang="de-DE" sz="4000" dirty="0" smtClean="0"/>
+              <a:t>Game Over nach Zeitüberschreitung oder berühren eines Objektes </a:t>
+            </a:r>
+          </a:p>
+          <a:p>
+            <a:pPr algn="ctr"/>
+            <a:r>
+              <a:rPr lang="de-DE" sz="4000" dirty="0" smtClean="0"/>
+              <a:t>Durch Kollision mit einer Zielscheibe verringert sich der Highscore</a:t>
+            </a:r>
+          </a:p>
+          <a:p>
+            <a:pPr algn="ctr"/>
+            <a:r>
+              <a:rPr lang="de-DE" sz="4000" dirty="0" smtClean="0"/>
+              <a:t>Mit Klick auf „Start“ erneutes Spiel von Beginn an möglich</a:t>
+            </a:r>
+          </a:p>
+          <a:p>
+            <a:pPr algn="ctr"/>
+            <a:r>
+              <a:rPr lang="de-DE" sz="4000" dirty="0" smtClean="0"/>
+              <a:t>Mit „Beenden“ schließt die Anwendung</a:t>
+            </a:r>
+          </a:p>
+        </p:txBody>
+      </p:sp>
+      <p:pic>
+        <p:nvPicPr>
+          <p:cNvPr id="1026" name="Picture 2"/>
+          <p:cNvPicPr>
+            <a:picLocks noChangeAspect="1" noChangeArrowheads="1"/>
+          </p:cNvPicPr>
+          <p:nvPr/>
+        </p:nvPicPr>
+        <p:blipFill>
+          <a:blip r:embed="rId2">
+            <a:extLst>
+              <a:ext uri="{28A0092B-C50C-407E-A947-70E740481C1C}">
+                <a14:useLocalDpi xmlns:a14="http://schemas.microsoft.com/office/drawing/2010/main" val="0"/>
+              </a:ext>
+            </a:extLst>
+          </a:blip>
+          <a:srcRect/>
+          <a:stretch>
+            <a:fillRect/>
+          </a:stretch>
+        </p:blipFill>
+        <p:spPr bwMode="auto">
+          <a:xfrm>
+            <a:off x="1295401" y="87087"/>
+            <a:ext cx="9350828" cy="5476295"/>
+          </a:xfrm>
+          <a:prstGeom prst="rect">
+            <a:avLst/>
+          </a:prstGeom>
+          <a:noFill/>
+          <a:ln>
+            <a:noFill/>
+          </a:ln>
+          <a:extLst>
+            <a:ext uri="{909E8E84-426E-40DD-AFC4-6F175D3DCCD1}">
+              <a14:hiddenFill xmlns:a14="http://schemas.microsoft.com/office/drawing/2010/main">
+                <a:solidFill>
+                  <a:schemeClr val="accent1"/>
+                </a:solidFill>
+              </a14:hiddenFill>
+            </a:ext>
+            <a:ext uri="{91240B29-F687-4F45-9708-019B960494DF}">
+              <a14:hiddenLine xmlns:a14="http://schemas.microsoft.com/office/drawing/2010/main" w="9525">
+                <a:solidFill>
+                  <a:schemeClr val="tx1"/>
+                </a:solidFill>
+                <a:miter lim="800000"/>
+                <a:headEnd/>
+                <a:tailEnd/>
+              </a14:hiddenLine>
+            </a:ext>
+          </a:extLst>
+        </p:spPr>
+      </p:pic>
+    </p:spTree>
+    <p:extLst>
+      <p:ext uri="{BB962C8B-B14F-4D97-AF65-F5344CB8AC3E}">
+        <p14:creationId xmlns:p14="http://schemas.microsoft.com/office/powerpoint/2010/main" val="1938762850"/>
+      </p:ext>
+    </p:extLst>
+  </p:cSld>
+  <p:clrMapOvr>
+    <a:masterClrMapping/>
+  </p:clrMapOvr>
+  <p:timing>
+    <p:tnLst>
+      <p:par>
+        <p:cTn id="1" dur="indefinite" restart="never" nodeType="tmRoot"/>
+      </p:par>
+    </p:tnLst>
+  </p:timing>
+</p:sld>
+</file>
+
+<file path=ppt/slides/slide9.xml><?xml version="1.0" encoding="utf-8"?>
+<p:sld xmlns:a="http://schemas.openxmlformats.org/drawingml/2006/main" xmlns:r="http://schemas.openxmlformats.org/officeDocument/2006/relationships" xmlns:p="http://schemas.openxmlformats.org/presentationml/2006/main">
+  <p:cSld>
+    <p:spTree>
+      <p:nvGrpSpPr>
+        <p:cNvPr id="1" name=""/>
+        <p:cNvGrpSpPr/>
+        <p:nvPr/>
+      </p:nvGrpSpPr>
+      <p:grpSpPr>
+        <a:xfrm>
+          <a:off x="0" y="0"/>
+          <a:ext cx="0" cy="0"/>
+          <a:chOff x="0" y="0"/>
+          <a:chExt cx="0" cy="0"/>
+        </a:xfrm>
+      </p:grpSpPr>
+      <p:sp>
+        <p:nvSpPr>
+          <p:cNvPr id="2" name="Titel 1"/>
+          <p:cNvSpPr>
+            <a:spLocks noGrp="1"/>
+          </p:cNvSpPr>
+          <p:nvPr>
+            <p:ph type="ctrTitle"/>
+          </p:nvPr>
+        </p:nvSpPr>
+        <p:spPr>
+          <a:xfrm>
+            <a:off x="2030187" y="250370"/>
+            <a:ext cx="8001000" cy="933995"/>
+          </a:xfrm>
+        </p:spPr>
+        <p:txBody>
+          <a:bodyPr/>
+          <a:lstStyle/>
+          <a:p>
+            <a:pPr algn="ctr"/>
+            <a:endParaRPr lang="de-DE" dirty="0"/>
+          </a:p>
+        </p:txBody>
+      </p:sp>
+      <p:sp>
+        <p:nvSpPr>
+          <p:cNvPr id="3" name="Untertitel 2"/>
+          <p:cNvSpPr>
+            <a:spLocks noGrp="1"/>
+          </p:cNvSpPr>
+          <p:nvPr>
+            <p:ph type="subTitle" idx="1"/>
+          </p:nvPr>
+        </p:nvSpPr>
+        <p:spPr>
+          <a:xfrm>
+            <a:off x="2630286" y="5769429"/>
+            <a:ext cx="6909662" cy="838200"/>
+          </a:xfrm>
+        </p:spPr>
+        <p:txBody>
+          <a:bodyPr>
+            <a:normAutofit fontScale="25000" lnSpcReduction="20000"/>
+          </a:bodyPr>
+          <a:lstStyle/>
+          <a:p>
+            <a:pPr algn="ctr"/>
+            <a:r>
+              <a:rPr lang="de-DE" sz="4000" dirty="0" err="1" smtClean="0"/>
+              <a:t>Pausemenü</a:t>
+            </a:r>
+            <a:r>
+              <a:rPr lang="de-DE" sz="4000" dirty="0" smtClean="0"/>
+              <a:t> durch Drücken der Entertaste</a:t>
+            </a:r>
+          </a:p>
+          <a:p>
+            <a:pPr algn="ctr"/>
+            <a:r>
+              <a:rPr lang="de-DE" sz="4000" dirty="0" smtClean="0"/>
+              <a:t>Fortsetzen des Spiels durch Taste „P“ oder durch Klick auf „Weiter“</a:t>
+            </a:r>
+          </a:p>
+          <a:p>
+            <a:pPr algn="ctr"/>
+            <a:r>
+              <a:rPr lang="de-DE" sz="4000" dirty="0" smtClean="0"/>
+              <a:t>Durch Klick auf „Menü“ kehrt man zu den Spieleinstellungen zurück und kann erneut starten</a:t>
+            </a:r>
+            <a:endParaRPr lang="de-DE" sz="4000" dirty="0" smtClean="0"/>
+          </a:p>
+          <a:p>
+            <a:pPr algn="ctr"/>
+            <a:r>
+              <a:rPr lang="de-DE" sz="4000" dirty="0" smtClean="0"/>
+              <a:t>Mit „Beenden“ schließt das Spiel</a:t>
+            </a:r>
+          </a:p>
+        </p:txBody>
+      </p:sp>
+    </p:spTree>
+    <p:extLst>
+      <p:ext uri="{BB962C8B-B14F-4D97-AF65-F5344CB8AC3E}">
+        <p14:creationId xmlns:p14="http://schemas.microsoft.com/office/powerpoint/2010/main" val="3615537924"/>
+      </p:ext>
+    </p:extLst>
+  </p:cSld>
+  <p:clrMapOvr>
+    <a:masterClrMapping/>
+  </p:clrMapOvr>
+  <p:timing>
+    <p:tnLst>
+      <p:par>
+        <p:cTn id="1" dur="indefinite" restart="never" nodeType="tmRoot"/>
+      </p:par>
+    </p:tnLst>
+  </p:timing>
 </p:sld>
 </file>
 
@@ -5797,7 +8796,7 @@
   <a:extraClrSchemeLst/>
   <a:extLst>
     <a:ext uri="{05A4C25C-085E-4340-85A3-A5531E510DB2}">
-      <thm15:themeFamily xmlns:thm15="http://schemas.microsoft.com/office/thememl/2012/main" name="Slice" id="{0507925B-6AC9-4358-8E18-C330545D08F8}" vid="{2903AAAE-3EA5-424A-B142-CC51DC1F897D}"/>
+      <thm15:themeFamily xmlns:thm15="http://schemas.microsoft.com/office/thememl/2012/main" xmlns="" name="Slice" id="{0507925B-6AC9-4358-8E18-C330545D08F8}" vid="{2903AAAE-3EA5-424A-B142-CC51DC1F897D}"/>
     </a:ext>
   </a:extLst>
 </a:theme>

--- a/Präsi/FlyHigh Abschlusspräsentation.pptx
+++ b/Präsi/FlyHigh Abschlusspräsentation.pptx
@@ -15,10 +15,11 @@
     <p:sldId id="263" r:id="rId9"/>
     <p:sldId id="264" r:id="rId10"/>
     <p:sldId id="265" r:id="rId11"/>
-    <p:sldId id="266" r:id="rId12"/>
-    <p:sldId id="267" r:id="rId13"/>
-    <p:sldId id="269" r:id="rId14"/>
-    <p:sldId id="268" r:id="rId15"/>
+    <p:sldId id="270" r:id="rId12"/>
+    <p:sldId id="266" r:id="rId13"/>
+    <p:sldId id="267" r:id="rId14"/>
+    <p:sldId id="269" r:id="rId15"/>
+    <p:sldId id="268" r:id="rId16"/>
   </p:sldIdLst>
   <p:sldSz cx="12192000" cy="6858000"/>
   <p:notesSz cx="6858000" cy="9144000"/>
@@ -309,7 +310,7 @@
           <a:p>
             <a:fld id="{82333757-7549-43D3-A03E-9E27EAF922C5}" type="datetimeFigureOut">
               <a:rPr lang="de-DE" smtClean="0"/>
-              <a:t>01.10.2015</a:t>
+              <a:t>02.10.2015</a:t>
             </a:fld>
             <a:endParaRPr lang="de-DE"/>
           </a:p>
@@ -745,7 +746,7 @@
           <a:p>
             <a:fld id="{82333757-7549-43D3-A03E-9E27EAF922C5}" type="datetimeFigureOut">
               <a:rPr lang="de-DE" smtClean="0"/>
-              <a:t>01.10.2015</a:t>
+              <a:t>02.10.2015</a:t>
             </a:fld>
             <a:endParaRPr lang="de-DE"/>
           </a:p>
@@ -993,7 +994,7 @@
           <a:p>
             <a:fld id="{82333757-7549-43D3-A03E-9E27EAF922C5}" type="datetimeFigureOut">
               <a:rPr lang="de-DE" smtClean="0"/>
-              <a:t>01.10.2015</a:t>
+              <a:t>02.10.2015</a:t>
             </a:fld>
             <a:endParaRPr lang="de-DE"/>
           </a:p>
@@ -1299,7 +1300,7 @@
           <a:p>
             <a:fld id="{82333757-7549-43D3-A03E-9E27EAF922C5}" type="datetimeFigureOut">
               <a:rPr lang="de-DE" smtClean="0"/>
-              <a:t>01.10.2015</a:t>
+              <a:t>02.10.2015</a:t>
             </a:fld>
             <a:endParaRPr lang="de-DE"/>
           </a:p>
@@ -1615,7 +1616,7 @@
           <a:p>
             <a:fld id="{82333757-7549-43D3-A03E-9E27EAF922C5}" type="datetimeFigureOut">
               <a:rPr lang="de-DE" smtClean="0"/>
-              <a:t>01.10.2015</a:t>
+              <a:t>02.10.2015</a:t>
             </a:fld>
             <a:endParaRPr lang="de-DE"/>
           </a:p>
@@ -1915,7 +1916,7 @@
           <a:p>
             <a:fld id="{82333757-7549-43D3-A03E-9E27EAF922C5}" type="datetimeFigureOut">
               <a:rPr lang="de-DE" smtClean="0"/>
-              <a:t>01.10.2015</a:t>
+              <a:t>02.10.2015</a:t>
             </a:fld>
             <a:endParaRPr lang="de-DE"/>
           </a:p>
@@ -2280,7 +2281,7 @@
           <a:p>
             <a:fld id="{82333757-7549-43D3-A03E-9E27EAF922C5}" type="datetimeFigureOut">
               <a:rPr lang="de-DE" smtClean="0"/>
-              <a:t>01.10.2015</a:t>
+              <a:t>02.10.2015</a:t>
             </a:fld>
             <a:endParaRPr lang="de-DE"/>
           </a:p>
@@ -2454,7 +2455,7 @@
           <a:p>
             <a:fld id="{82333757-7549-43D3-A03E-9E27EAF922C5}" type="datetimeFigureOut">
               <a:rPr lang="de-DE" smtClean="0"/>
-              <a:t>01.10.2015</a:t>
+              <a:t>02.10.2015</a:t>
             </a:fld>
             <a:endParaRPr lang="de-DE"/>
           </a:p>
@@ -2634,7 +2635,7 @@
           <a:p>
             <a:fld id="{82333757-7549-43D3-A03E-9E27EAF922C5}" type="datetimeFigureOut">
               <a:rPr lang="de-DE" smtClean="0"/>
-              <a:t>01.10.2015</a:t>
+              <a:t>02.10.2015</a:t>
             </a:fld>
             <a:endParaRPr lang="de-DE"/>
           </a:p>
@@ -2804,7 +2805,7 @@
           <a:p>
             <a:fld id="{82333757-7549-43D3-A03E-9E27EAF922C5}" type="datetimeFigureOut">
               <a:rPr lang="de-DE" smtClean="0"/>
-              <a:t>01.10.2015</a:t>
+              <a:t>02.10.2015</a:t>
             </a:fld>
             <a:endParaRPr lang="de-DE"/>
           </a:p>
@@ -3052,7 +3053,7 @@
           <a:p>
             <a:fld id="{82333757-7549-43D3-A03E-9E27EAF922C5}" type="datetimeFigureOut">
               <a:rPr lang="de-DE" smtClean="0"/>
-              <a:t>01.10.2015</a:t>
+              <a:t>02.10.2015</a:t>
             </a:fld>
             <a:endParaRPr lang="de-DE"/>
           </a:p>
@@ -3288,7 +3289,7 @@
           <a:p>
             <a:fld id="{82333757-7549-43D3-A03E-9E27EAF922C5}" type="datetimeFigureOut">
               <a:rPr lang="de-DE" smtClean="0"/>
-              <a:t>01.10.2015</a:t>
+              <a:t>02.10.2015</a:t>
             </a:fld>
             <a:endParaRPr lang="de-DE"/>
           </a:p>
@@ -3670,7 +3671,7 @@
           <a:p>
             <a:fld id="{82333757-7549-43D3-A03E-9E27EAF922C5}" type="datetimeFigureOut">
               <a:rPr lang="de-DE" smtClean="0"/>
-              <a:t>01.10.2015</a:t>
+              <a:t>02.10.2015</a:t>
             </a:fld>
             <a:endParaRPr lang="de-DE"/>
           </a:p>
@@ -3788,7 +3789,7 @@
           <a:p>
             <a:fld id="{82333757-7549-43D3-A03E-9E27EAF922C5}" type="datetimeFigureOut">
               <a:rPr lang="de-DE" smtClean="0"/>
-              <a:t>01.10.2015</a:t>
+              <a:t>02.10.2015</a:t>
             </a:fld>
             <a:endParaRPr lang="de-DE"/>
           </a:p>
@@ -3883,7 +3884,7 @@
           <a:p>
             <a:fld id="{82333757-7549-43D3-A03E-9E27EAF922C5}" type="datetimeFigureOut">
               <a:rPr lang="de-DE" smtClean="0"/>
-              <a:t>01.10.2015</a:t>
+              <a:t>02.10.2015</a:t>
             </a:fld>
             <a:endParaRPr lang="de-DE"/>
           </a:p>
@@ -4138,7 +4139,7 @@
           <a:p>
             <a:fld id="{82333757-7549-43D3-A03E-9E27EAF922C5}" type="datetimeFigureOut">
               <a:rPr lang="de-DE" smtClean="0"/>
-              <a:t>01.10.2015</a:t>
+              <a:t>02.10.2015</a:t>
             </a:fld>
             <a:endParaRPr lang="de-DE"/>
           </a:p>
@@ -4421,7 +4422,7 @@
           <a:p>
             <a:fld id="{82333757-7549-43D3-A03E-9E27EAF922C5}" type="datetimeFigureOut">
               <a:rPr lang="de-DE" smtClean="0"/>
-              <a:t>01.10.2015</a:t>
+              <a:t>02.10.2015</a:t>
             </a:fld>
             <a:endParaRPr lang="de-DE"/>
           </a:p>
@@ -4827,7 +4828,7 @@
           <a:p>
             <a:fld id="{82333757-7549-43D3-A03E-9E27EAF922C5}" type="datetimeFigureOut">
               <a:rPr lang="de-DE" smtClean="0"/>
-              <a:t>01.10.2015</a:t>
+              <a:t>02.10.2015</a:t>
             </a:fld>
             <a:endParaRPr lang="de-DE"/>
           </a:p>
@@ -5522,7 +5523,6 @@
               <a:rPr lang="de-DE" sz="4000" dirty="0" smtClean="0"/>
               <a:t>Gewonnen nach Abschuss aller Zielscheiben ohne Zeitüberschreitung bzw. Kollision mit Objekten</a:t>
             </a:r>
-            <a:endParaRPr lang="de-DE" sz="4000" dirty="0" smtClean="0"/>
           </a:p>
         </p:txBody>
       </p:sp>
@@ -5547,6 +5547,169 @@
 </file>
 
 <file path=ppt/slides/slide11.xml><?xml version="1.0" encoding="utf-8"?>
+<p:sld xmlns:a="http://schemas.openxmlformats.org/drawingml/2006/main" xmlns:r="http://schemas.openxmlformats.org/officeDocument/2006/relationships" xmlns:p="http://schemas.openxmlformats.org/presentationml/2006/main">
+  <p:cSld>
+    <p:spTree>
+      <p:nvGrpSpPr>
+        <p:cNvPr id="1" name=""/>
+        <p:cNvGrpSpPr/>
+        <p:nvPr/>
+      </p:nvGrpSpPr>
+      <p:grpSpPr>
+        <a:xfrm>
+          <a:off x="0" y="0"/>
+          <a:ext cx="0" cy="0"/>
+          <a:chOff x="0" y="0"/>
+          <a:chExt cx="0" cy="0"/>
+        </a:xfrm>
+      </p:grpSpPr>
+      <p:sp>
+        <p:nvSpPr>
+          <p:cNvPr id="2" name="Titel 1"/>
+          <p:cNvSpPr>
+            <a:spLocks noGrp="1"/>
+          </p:cNvSpPr>
+          <p:nvPr>
+            <p:ph type="ctrTitle"/>
+          </p:nvPr>
+        </p:nvSpPr>
+        <p:spPr>
+          <a:xfrm>
+            <a:off x="1970904" y="261257"/>
+            <a:ext cx="8001000" cy="1238795"/>
+          </a:xfrm>
+        </p:spPr>
+        <p:txBody>
+          <a:bodyPr/>
+          <a:lstStyle/>
+          <a:p>
+            <a:pPr algn="ctr"/>
+            <a:r>
+              <a:rPr lang="de-DE" dirty="0" smtClean="0"/>
+              <a:t>Wofür gute </a:t>
+            </a:r>
+            <a:r>
+              <a:rPr lang="de-DE" dirty="0" err="1" smtClean="0"/>
+              <a:t>note</a:t>
+            </a:r>
+            <a:endParaRPr lang="de-DE" dirty="0"/>
+          </a:p>
+        </p:txBody>
+      </p:sp>
+      <p:sp>
+        <p:nvSpPr>
+          <p:cNvPr id="3" name="Untertitel 2"/>
+          <p:cNvSpPr>
+            <a:spLocks noGrp="1"/>
+          </p:cNvSpPr>
+          <p:nvPr>
+            <p:ph type="subTitle" idx="1"/>
+          </p:nvPr>
+        </p:nvSpPr>
+        <p:spPr>
+          <a:xfrm>
+            <a:off x="1110388" y="1679243"/>
+            <a:ext cx="9557612" cy="4577321"/>
+          </a:xfrm>
+        </p:spPr>
+        <p:txBody>
+          <a:bodyPr>
+            <a:normAutofit lnSpcReduction="10000"/>
+          </a:bodyPr>
+          <a:lstStyle/>
+          <a:p>
+            <a:pPr marL="342900" indent="-342900">
+              <a:buBlip>
+                <a:blip r:embed="rId2"/>
+              </a:buBlip>
+            </a:pPr>
+            <a:endParaRPr lang="de-DE" sz="3600" dirty="0" smtClean="0"/>
+          </a:p>
+          <a:p>
+            <a:pPr marL="342900" indent="-342900">
+              <a:buBlip>
+                <a:blip r:embed="rId2"/>
+              </a:buBlip>
+            </a:pPr>
+            <a:r>
+              <a:rPr lang="de-DE" sz="3500" dirty="0" smtClean="0"/>
+              <a:t>Umfangreiches und aufwendiges Spiel</a:t>
+            </a:r>
+            <a:endParaRPr lang="de-DE" sz="3500" dirty="0" smtClean="0"/>
+          </a:p>
+          <a:p>
+            <a:pPr marL="342900" indent="-342900">
+              <a:buBlip>
+                <a:blip r:embed="rId2"/>
+              </a:buBlip>
+            </a:pPr>
+            <a:r>
+              <a:rPr lang="de-DE" sz="3500" dirty="0" smtClean="0"/>
+              <a:t>Gute Teamarbeit</a:t>
+            </a:r>
+          </a:p>
+          <a:p>
+            <a:pPr marL="342900" indent="-342900">
+              <a:buBlip>
+                <a:blip r:embed="rId2"/>
+              </a:buBlip>
+            </a:pPr>
+            <a:r>
+              <a:rPr lang="de-DE" sz="3500" dirty="0" smtClean="0"/>
+              <a:t>Das Spiel bietet die Möglichkeit ein noch nie da gewesenes Fluggefühl zu erleben (mit </a:t>
+            </a:r>
+            <a:r>
+              <a:rPr lang="de-DE" sz="3500" dirty="0" err="1" smtClean="0"/>
+              <a:t>Oculus</a:t>
+            </a:r>
+            <a:r>
+              <a:rPr lang="de-DE" sz="3500" dirty="0" smtClean="0"/>
+              <a:t>)</a:t>
+            </a:r>
+          </a:p>
+          <a:p>
+            <a:pPr marL="342900" indent="-342900">
+              <a:buBlip>
+                <a:blip r:embed="rId2"/>
+              </a:buBlip>
+            </a:pPr>
+            <a:r>
+              <a:rPr lang="de-DE" sz="3500" dirty="0" smtClean="0"/>
+              <a:t>Gute Interaktion von allen Objekten</a:t>
+            </a:r>
+            <a:endParaRPr lang="de-DE" sz="3500" dirty="0" smtClean="0"/>
+          </a:p>
+          <a:p>
+            <a:pPr marL="342900" indent="-342900">
+              <a:buBlip>
+                <a:blip r:embed="rId2"/>
+              </a:buBlip>
+            </a:pPr>
+            <a:endParaRPr lang="de-DE" sz="4000" dirty="0"/>
+          </a:p>
+        </p:txBody>
+      </p:sp>
+    </p:spTree>
+    <p:extLst>
+      <p:ext uri="{BB962C8B-B14F-4D97-AF65-F5344CB8AC3E}">
+        <p14:creationId xmlns:p14="http://schemas.microsoft.com/office/powerpoint/2010/main" val="4150718059"/>
+      </p:ext>
+    </p:extLst>
+  </p:cSld>
+  <p:clrMapOvr>
+    <a:masterClrMapping/>
+  </p:clrMapOvr>
+  <p:timing>
+    <p:tnLst>
+      <p:par>
+        <p:cTn id="1" dur="indefinite" restart="never" nodeType="tmRoot"/>
+      </p:par>
+    </p:tnLst>
+  </p:timing>
+</p:sld>
+</file>
+
+<file path=ppt/slides/slide12.xml><?xml version="1.0" encoding="utf-8"?>
 <p:sld xmlns:a="http://schemas.openxmlformats.org/drawingml/2006/main" xmlns:r="http://schemas.openxmlformats.org/officeDocument/2006/relationships" xmlns:p="http://schemas.openxmlformats.org/presentationml/2006/main">
   <p:cSld>
     <p:spTree>
@@ -6014,7 +6177,7 @@
 </p:sld>
 </file>
 
-<file path=ppt/slides/slide12.xml><?xml version="1.0" encoding="utf-8"?>
+<file path=ppt/slides/slide13.xml><?xml version="1.0" encoding="utf-8"?>
 <p:sld xmlns:a="http://schemas.openxmlformats.org/drawingml/2006/main" xmlns:r="http://schemas.openxmlformats.org/officeDocument/2006/relationships" xmlns:p="http://schemas.openxmlformats.org/presentationml/2006/main">
   <p:cSld>
     <p:spTree>
@@ -7032,7 +7195,7 @@
 </p:sld>
 </file>
 
-<file path=ppt/slides/slide13.xml><?xml version="1.0" encoding="utf-8"?>
+<file path=ppt/slides/slide14.xml><?xml version="1.0" encoding="utf-8"?>
 <p:sld xmlns:a="http://schemas.openxmlformats.org/drawingml/2006/main" xmlns:r="http://schemas.openxmlformats.org/officeDocument/2006/relationships" xmlns:p="http://schemas.openxmlformats.org/presentationml/2006/main">
   <p:cSld>
     <p:spTree>
@@ -7128,7 +7291,7 @@
 </p:sld>
 </file>
 
-<file path=ppt/slides/slide14.xml><?xml version="1.0" encoding="utf-8"?>
+<file path=ppt/slides/slide15.xml><?xml version="1.0" encoding="utf-8"?>
 <p:sld xmlns:a="http://schemas.openxmlformats.org/drawingml/2006/main" xmlns:r="http://schemas.openxmlformats.org/officeDocument/2006/relationships" xmlns:p="http://schemas.openxmlformats.org/presentationml/2006/main">
   <p:cSld>
     <p:spTree>
@@ -7288,7 +7451,7 @@
         <p:spPr>
           <a:xfrm>
             <a:off x="1015138" y="1736393"/>
-            <a:ext cx="6909662" cy="4577321"/>
+            <a:ext cx="7797786" cy="4577321"/>
           </a:xfrm>
         </p:spPr>
         <p:txBody>
@@ -7325,6 +7488,18 @@
               <a:rPr lang="de-DE" sz="3600" dirty="0" smtClean="0"/>
               <a:t>Systemarchitektur</a:t>
             </a:r>
+          </a:p>
+          <a:p>
+            <a:pPr marL="342900" indent="-342900">
+              <a:buBlip>
+                <a:blip r:embed="rId2"/>
+              </a:buBlip>
+            </a:pPr>
+            <a:r>
+              <a:rPr lang="de-DE" sz="3600" dirty="0" smtClean="0"/>
+              <a:t>Wofür wollen wir eine gute Note</a:t>
+            </a:r>
+            <a:endParaRPr lang="de-DE" sz="3600" dirty="0" smtClean="0"/>
           </a:p>
           <a:p>
             <a:pPr marL="342900" indent="-342900">
@@ -7806,11 +7981,7 @@
             <a:pPr algn="ctr"/>
             <a:r>
               <a:rPr lang="de-DE" sz="4000" dirty="0" smtClean="0"/>
-              <a:t>Einstellungen </a:t>
-            </a:r>
-            <a:r>
-              <a:rPr lang="de-DE" sz="4000" dirty="0" smtClean="0"/>
-              <a:t>nach Klick auf „Start“</a:t>
+              <a:t>Einstellungen nach Klick auf „Start“</a:t>
             </a:r>
           </a:p>
           <a:p>
@@ -7819,7 +7990,6 @@
               <a:rPr lang="de-DE" sz="4000" dirty="0" smtClean="0"/>
               <a:t>Wahl der Zeit und des Fliegers</a:t>
             </a:r>
-            <a:endParaRPr lang="de-DE" sz="4000" dirty="0" smtClean="0"/>
           </a:p>
         </p:txBody>
       </p:sp>
@@ -8495,7 +8665,6 @@
               <a:rPr lang="de-DE" sz="4000" dirty="0" smtClean="0"/>
               <a:t>Durch Klick auf „Menü“ kehrt man zu den Spieleinstellungen zurück und kann erneut starten</a:t>
             </a:r>
-            <a:endParaRPr lang="de-DE" sz="4000" dirty="0" smtClean="0"/>
           </a:p>
           <a:p>
             <a:pPr algn="ctr"/>
@@ -8796,7 +8965,7 @@
   <a:extraClrSchemeLst/>
   <a:extLst>
     <a:ext uri="{05A4C25C-085E-4340-85A3-A5531E510DB2}">
-      <thm15:themeFamily xmlns:thm15="http://schemas.microsoft.com/office/thememl/2012/main" xmlns="" name="Slice" id="{0507925B-6AC9-4358-8E18-C330545D08F8}" vid="{2903AAAE-3EA5-424A-B142-CC51DC1F897D}"/>
+      <thm15:themeFamily xmlns="" xmlns:thm15="http://schemas.microsoft.com/office/thememl/2012/main" name="Slice" id="{0507925B-6AC9-4358-8E18-C330545D08F8}" vid="{2903AAAE-3EA5-424A-B142-CC51DC1F897D}"/>
     </a:ext>
   </a:extLst>
 </a:theme>
